--- a/12.class_and_objects/OOP_Part2.pptx
+++ b/12.class_and_objects/OOP_Part2.pptx
@@ -116,163 +116,7 @@
               <a:rPr b="0" lang="en-IN" sz="2000" spc="-1" strike="noStrike">
                 <a:latin typeface="Arial"/>
               </a:rPr>
-              <a:t>Cli</a:t>
-            </a:r>
-            <a:r>
-              <a:rPr b="0" lang="en-IN" sz="2000" spc="-1" strike="noStrike">
-                <a:latin typeface="Arial"/>
-              </a:rPr>
-              <a:t>c</a:t>
-            </a:r>
-            <a:r>
-              <a:rPr b="0" lang="en-IN" sz="2000" spc="-1" strike="noStrike">
-                <a:latin typeface="Arial"/>
-              </a:rPr>
-              <a:t>k</a:t>
-            </a:r>
-            <a:r>
-              <a:rPr b="0" lang="en-IN" sz="2000" spc="-1" strike="noStrike">
-                <a:latin typeface="Arial"/>
-              </a:rPr>
-              <a:t> </a:t>
-            </a:r>
-            <a:r>
-              <a:rPr b="0" lang="en-IN" sz="2000" spc="-1" strike="noStrike">
-                <a:latin typeface="Arial"/>
-              </a:rPr>
-              <a:t>t</a:t>
-            </a:r>
-            <a:r>
-              <a:rPr b="0" lang="en-IN" sz="2000" spc="-1" strike="noStrike">
-                <a:latin typeface="Arial"/>
-              </a:rPr>
-              <a:t>o</a:t>
-            </a:r>
-            <a:r>
-              <a:rPr b="0" lang="en-IN" sz="2000" spc="-1" strike="noStrike">
-                <a:latin typeface="Arial"/>
-              </a:rPr>
-              <a:t> </a:t>
-            </a:r>
-            <a:r>
-              <a:rPr b="0" lang="en-IN" sz="2000" spc="-1" strike="noStrike">
-                <a:latin typeface="Arial"/>
-              </a:rPr>
-              <a:t>e</a:t>
-            </a:r>
-            <a:r>
-              <a:rPr b="0" lang="en-IN" sz="2000" spc="-1" strike="noStrike">
-                <a:latin typeface="Arial"/>
-              </a:rPr>
-              <a:t>d</a:t>
-            </a:r>
-            <a:r>
-              <a:rPr b="0" lang="en-IN" sz="2000" spc="-1" strike="noStrike">
-                <a:latin typeface="Arial"/>
-              </a:rPr>
-              <a:t>i</a:t>
-            </a:r>
-            <a:r>
-              <a:rPr b="0" lang="en-IN" sz="2000" spc="-1" strike="noStrike">
-                <a:latin typeface="Arial"/>
-              </a:rPr>
-              <a:t>t </a:t>
-            </a:r>
-            <a:r>
-              <a:rPr b="0" lang="en-IN" sz="2000" spc="-1" strike="noStrike">
-                <a:latin typeface="Arial"/>
-              </a:rPr>
-              <a:t>t</a:t>
-            </a:r>
-            <a:r>
-              <a:rPr b="0" lang="en-IN" sz="2000" spc="-1" strike="noStrike">
-                <a:latin typeface="Arial"/>
-              </a:rPr>
-              <a:t>h</a:t>
-            </a:r>
-            <a:r>
-              <a:rPr b="0" lang="en-IN" sz="2000" spc="-1" strike="noStrike">
-                <a:latin typeface="Arial"/>
-              </a:rPr>
-              <a:t>e</a:t>
-            </a:r>
-            <a:r>
-              <a:rPr b="0" lang="en-IN" sz="2000" spc="-1" strike="noStrike">
-                <a:latin typeface="Arial"/>
-              </a:rPr>
-              <a:t> </a:t>
-            </a:r>
-            <a:r>
-              <a:rPr b="0" lang="en-IN" sz="2000" spc="-1" strike="noStrike">
-                <a:latin typeface="Arial"/>
-              </a:rPr>
-              <a:t>n</a:t>
-            </a:r>
-            <a:r>
-              <a:rPr b="0" lang="en-IN" sz="2000" spc="-1" strike="noStrike">
-                <a:latin typeface="Arial"/>
-              </a:rPr>
-              <a:t>o</a:t>
-            </a:r>
-            <a:r>
-              <a:rPr b="0" lang="en-IN" sz="2000" spc="-1" strike="noStrike">
-                <a:latin typeface="Arial"/>
-              </a:rPr>
-              <a:t>t</a:t>
-            </a:r>
-            <a:r>
-              <a:rPr b="0" lang="en-IN" sz="2000" spc="-1" strike="noStrike">
-                <a:latin typeface="Arial"/>
-              </a:rPr>
-              <a:t>e</a:t>
-            </a:r>
-            <a:r>
-              <a:rPr b="0" lang="en-IN" sz="2000" spc="-1" strike="noStrike">
-                <a:latin typeface="Arial"/>
-              </a:rPr>
-              <a:t>s</a:t>
-            </a:r>
-            <a:r>
-              <a:rPr b="0" lang="en-IN" sz="2000" spc="-1" strike="noStrike">
-                <a:latin typeface="Arial"/>
-              </a:rPr>
-              <a:t> </a:t>
-            </a:r>
-            <a:r>
-              <a:rPr b="0" lang="en-IN" sz="2000" spc="-1" strike="noStrike">
-                <a:latin typeface="Arial"/>
-              </a:rPr>
-              <a:t>f</a:t>
-            </a:r>
-            <a:r>
-              <a:rPr b="0" lang="en-IN" sz="2000" spc="-1" strike="noStrike">
-                <a:latin typeface="Arial"/>
-              </a:rPr>
-              <a:t>o</a:t>
-            </a:r>
-            <a:r>
-              <a:rPr b="0" lang="en-IN" sz="2000" spc="-1" strike="noStrike">
-                <a:latin typeface="Arial"/>
-              </a:rPr>
-              <a:t>r</a:t>
-            </a:r>
-            <a:r>
-              <a:rPr b="0" lang="en-IN" sz="2000" spc="-1" strike="noStrike">
-                <a:latin typeface="Arial"/>
-              </a:rPr>
-              <a:t>m</a:t>
-            </a:r>
-            <a:r>
-              <a:rPr b="0" lang="en-IN" sz="2000" spc="-1" strike="noStrike">
-                <a:latin typeface="Arial"/>
-              </a:rPr>
-              <a:t>a</a:t>
-            </a:r>
-            <a:r>
-              <a:rPr b="0" lang="en-IN" sz="2000" spc="-1" strike="noStrike">
-                <a:latin typeface="Arial"/>
-              </a:rPr>
-              <a:t>t</a:t>
+              <a:t>Click to edit the notes format</a:t>
             </a:r>
             <a:endParaRPr b="0" lang="en-IN" sz="2000" spc="-1" strike="noStrike">
               <a:latin typeface="Arial"/>
@@ -457,7 +301,7 @@
             <a:pPr algn="r">
               <a:buNone/>
             </a:pPr>
-            <a:fld id="{0E44C9B9-88E9-446C-9CB2-4F0BFDBB2C40}" type="slidenum">
+            <a:fld id="{DC6CAFAA-A952-4561-BAD7-448893919FDD}" type="slidenum">
               <a:rPr b="0" lang="en-IN" sz="1400" spc="-1" strike="noStrike">
                 <a:latin typeface="Times New Roman"/>
               </a:rPr>
@@ -505,7 +349,7 @@
         <p:spPr>
           <a:xfrm>
             <a:off x="685800" y="1143000"/>
-            <a:ext cx="5485680" cy="3085560"/>
+            <a:ext cx="5485320" cy="3085200"/>
           </a:xfrm>
           <a:prstGeom prst="rect">
             <a:avLst/>
@@ -528,7 +372,7 @@
         <p:spPr>
           <a:xfrm>
             <a:off x="685800" y="4400640"/>
-            <a:ext cx="5485680" cy="3599640"/>
+            <a:ext cx="5485320" cy="3599280"/>
           </a:xfrm>
           <a:prstGeom prst="rect">
             <a:avLst/>
@@ -562,7 +406,7 @@
         <p:spPr>
           <a:xfrm>
             <a:off x="3884760" y="8685360"/>
-            <a:ext cx="2971080" cy="457920"/>
+            <a:ext cx="2970720" cy="457560"/>
           </a:xfrm>
           <a:prstGeom prst="rect">
             <a:avLst/>
@@ -598,7 +442,7 @@
               </a:lnSpc>
               <a:buNone/>
             </a:pPr>
-            <a:fld id="{D931FEA3-6AB9-4238-B421-AB1E4E1BE056}" type="slidenum">
+            <a:fld id="{0932D6FE-D2ED-4505-A7ED-504D509D2DB9}" type="slidenum">
               <a:rPr b="0" lang="en-US" sz="1200" spc="-1" strike="noStrike">
                 <a:solidFill>
                   <a:srgbClr val="000000"/>
@@ -649,7 +493,7 @@
         <p:spPr>
           <a:xfrm>
             <a:off x="685800" y="1143000"/>
-            <a:ext cx="5485680" cy="3085560"/>
+            <a:ext cx="5485320" cy="3085200"/>
           </a:xfrm>
           <a:prstGeom prst="rect">
             <a:avLst/>
@@ -672,7 +516,7 @@
         <p:spPr>
           <a:xfrm>
             <a:off x="685800" y="4400640"/>
-            <a:ext cx="5485680" cy="3599640"/>
+            <a:ext cx="5485320" cy="3599280"/>
           </a:xfrm>
           <a:prstGeom prst="rect">
             <a:avLst/>
@@ -706,7 +550,7 @@
         <p:spPr>
           <a:xfrm>
             <a:off x="3884760" y="8685360"/>
-            <a:ext cx="2971080" cy="457920"/>
+            <a:ext cx="2970720" cy="457560"/>
           </a:xfrm>
           <a:prstGeom prst="rect">
             <a:avLst/>
@@ -742,7 +586,7 @@
               </a:lnSpc>
               <a:buNone/>
             </a:pPr>
-            <a:fld id="{206E37B7-74E6-4175-A579-8F6557F79337}" type="slidenum">
+            <a:fld id="{2B3B9EE1-498E-48D8-82C3-5D5A2F1D82AE}" type="slidenum">
               <a:rPr b="0" lang="en-US" sz="1200" spc="-1" strike="noStrike">
                 <a:solidFill>
                   <a:srgbClr val="000000"/>
@@ -793,7 +637,7 @@
         <p:spPr>
           <a:xfrm>
             <a:off x="685800" y="1143000"/>
-            <a:ext cx="5485680" cy="3085560"/>
+            <a:ext cx="5485320" cy="3085200"/>
           </a:xfrm>
           <a:prstGeom prst="rect">
             <a:avLst/>
@@ -816,7 +660,7 @@
         <p:spPr>
           <a:xfrm>
             <a:off x="685800" y="4400640"/>
-            <a:ext cx="5485680" cy="3599640"/>
+            <a:ext cx="5485320" cy="3599280"/>
           </a:xfrm>
           <a:prstGeom prst="rect">
             <a:avLst/>
@@ -850,7 +694,7 @@
         <p:spPr>
           <a:xfrm>
             <a:off x="3884760" y="8685360"/>
-            <a:ext cx="2971080" cy="457920"/>
+            <a:ext cx="2970720" cy="457560"/>
           </a:xfrm>
           <a:prstGeom prst="rect">
             <a:avLst/>
@@ -886,7 +730,7 @@
               </a:lnSpc>
               <a:buNone/>
             </a:pPr>
-            <a:fld id="{58D17C8C-0750-4139-8C1E-668C8A3CBBB6}" type="slidenum">
+            <a:fld id="{297EFD73-F205-4D1A-ADE9-9817C1D6460C}" type="slidenum">
               <a:rPr b="0" lang="en-US" sz="1200" spc="-1" strike="noStrike">
                 <a:solidFill>
                   <a:srgbClr val="000000"/>
@@ -937,7 +781,7 @@
         <p:spPr>
           <a:xfrm>
             <a:off x="685800" y="1143000"/>
-            <a:ext cx="5485680" cy="3085560"/>
+            <a:ext cx="5485320" cy="3085200"/>
           </a:xfrm>
           <a:prstGeom prst="rect">
             <a:avLst/>
@@ -960,7 +804,7 @@
         <p:spPr>
           <a:xfrm>
             <a:off x="685800" y="4400640"/>
-            <a:ext cx="5485680" cy="3599640"/>
+            <a:ext cx="5485320" cy="3599280"/>
           </a:xfrm>
           <a:prstGeom prst="rect">
             <a:avLst/>
@@ -994,7 +838,7 @@
         <p:spPr>
           <a:xfrm>
             <a:off x="3884760" y="8685360"/>
-            <a:ext cx="2971080" cy="457920"/>
+            <a:ext cx="2970720" cy="457560"/>
           </a:xfrm>
           <a:prstGeom prst="rect">
             <a:avLst/>
@@ -1030,7 +874,7 @@
               </a:lnSpc>
               <a:buNone/>
             </a:pPr>
-            <a:fld id="{DC3EF78E-43C5-4A1C-B04F-AF38409790B3}" type="slidenum">
+            <a:fld id="{3E09F6CE-0616-435B-9621-7B710A08B92D}" type="slidenum">
               <a:rPr b="0" lang="en-US" sz="1200" spc="-1" strike="noStrike">
                 <a:solidFill>
                   <a:srgbClr val="000000"/>
@@ -1081,7 +925,7 @@
         <p:spPr>
           <a:xfrm>
             <a:off x="685800" y="1143000"/>
-            <a:ext cx="5485680" cy="3085560"/>
+            <a:ext cx="5485320" cy="3085200"/>
           </a:xfrm>
           <a:prstGeom prst="rect">
             <a:avLst/>
@@ -1104,7 +948,7 @@
         <p:spPr>
           <a:xfrm>
             <a:off x="685800" y="4400640"/>
-            <a:ext cx="5485680" cy="3599640"/>
+            <a:ext cx="5485320" cy="3599280"/>
           </a:xfrm>
           <a:prstGeom prst="rect">
             <a:avLst/>
@@ -1138,7 +982,7 @@
         <p:spPr>
           <a:xfrm>
             <a:off x="3884760" y="8685360"/>
-            <a:ext cx="2971080" cy="457920"/>
+            <a:ext cx="2970720" cy="457560"/>
           </a:xfrm>
           <a:prstGeom prst="rect">
             <a:avLst/>
@@ -1174,7 +1018,7 @@
               </a:lnSpc>
               <a:buNone/>
             </a:pPr>
-            <a:fld id="{9C75E4DB-6029-4673-95CA-7E1BDDD155CB}" type="slidenum">
+            <a:fld id="{4A67F7E6-3C65-428C-AB47-D8ACC96734CB}" type="slidenum">
               <a:rPr b="0" lang="en-US" sz="1200" spc="-1" strike="noStrike">
                 <a:solidFill>
                   <a:srgbClr val="000000"/>
@@ -1225,7 +1069,7 @@
         <p:spPr>
           <a:xfrm>
             <a:off x="685800" y="1143000"/>
-            <a:ext cx="5485680" cy="3085560"/>
+            <a:ext cx="5485320" cy="3085200"/>
           </a:xfrm>
           <a:prstGeom prst="rect">
             <a:avLst/>
@@ -1248,7 +1092,7 @@
         <p:spPr>
           <a:xfrm>
             <a:off x="685800" y="4400640"/>
-            <a:ext cx="5485680" cy="3599640"/>
+            <a:ext cx="5485320" cy="3599280"/>
           </a:xfrm>
           <a:prstGeom prst="rect">
             <a:avLst/>
@@ -1282,7 +1126,7 @@
         <p:spPr>
           <a:xfrm>
             <a:off x="3884760" y="8685360"/>
-            <a:ext cx="2971080" cy="457920"/>
+            <a:ext cx="2970720" cy="457560"/>
           </a:xfrm>
           <a:prstGeom prst="rect">
             <a:avLst/>
@@ -1318,7 +1162,7 @@
               </a:lnSpc>
               <a:buNone/>
             </a:pPr>
-            <a:fld id="{2E22D24A-73DF-4084-BA8F-FBF018B43768}" type="slidenum">
+            <a:fld id="{14FA533F-F8B1-4DC8-BD01-3AA1A514359D}" type="slidenum">
               <a:rPr b="0" lang="en-US" sz="1200" spc="-1" strike="noStrike">
                 <a:solidFill>
                   <a:srgbClr val="000000"/>
@@ -1369,7 +1213,7 @@
         <p:spPr>
           <a:xfrm>
             <a:off x="685800" y="1143000"/>
-            <a:ext cx="5485680" cy="3085560"/>
+            <a:ext cx="5485320" cy="3085200"/>
           </a:xfrm>
           <a:prstGeom prst="rect">
             <a:avLst/>
@@ -1392,7 +1236,7 @@
         <p:spPr>
           <a:xfrm>
             <a:off x="685800" y="4400640"/>
-            <a:ext cx="5485680" cy="3599640"/>
+            <a:ext cx="5485320" cy="3599280"/>
           </a:xfrm>
           <a:prstGeom prst="rect">
             <a:avLst/>
@@ -1426,7 +1270,7 @@
         <p:spPr>
           <a:xfrm>
             <a:off x="3884760" y="8685360"/>
-            <a:ext cx="2971080" cy="457920"/>
+            <a:ext cx="2970720" cy="457560"/>
           </a:xfrm>
           <a:prstGeom prst="rect">
             <a:avLst/>
@@ -1462,7 +1306,7 @@
               </a:lnSpc>
               <a:buNone/>
             </a:pPr>
-            <a:fld id="{CC8F1995-CF56-4C9D-A2B3-640F5E2A13A7}" type="slidenum">
+            <a:fld id="{C8B595C9-9D50-4F1B-8834-A609DA4D1282}" type="slidenum">
               <a:rPr b="0" lang="en-US" sz="1200" spc="-1" strike="noStrike">
                 <a:solidFill>
                   <a:srgbClr val="000000"/>
@@ -1513,7 +1357,7 @@
         <p:spPr>
           <a:xfrm>
             <a:off x="685800" y="1143000"/>
-            <a:ext cx="5485680" cy="3085560"/>
+            <a:ext cx="5485320" cy="3085200"/>
           </a:xfrm>
           <a:prstGeom prst="rect">
             <a:avLst/>
@@ -1536,7 +1380,7 @@
         <p:spPr>
           <a:xfrm>
             <a:off x="685800" y="4400640"/>
-            <a:ext cx="5485680" cy="3599640"/>
+            <a:ext cx="5485320" cy="3599280"/>
           </a:xfrm>
           <a:prstGeom prst="rect">
             <a:avLst/>
@@ -1570,7 +1414,7 @@
         <p:spPr>
           <a:xfrm>
             <a:off x="3884760" y="8685360"/>
-            <a:ext cx="2971080" cy="457920"/>
+            <a:ext cx="2970720" cy="457560"/>
           </a:xfrm>
           <a:prstGeom prst="rect">
             <a:avLst/>
@@ -1606,7 +1450,7 @@
               </a:lnSpc>
               <a:buNone/>
             </a:pPr>
-            <a:fld id="{403D9AA3-8CAD-4970-8D2D-E88839A3113F}" type="slidenum">
+            <a:fld id="{DCBCD4E0-6972-43E3-9045-AA02624ECBB3}" type="slidenum">
               <a:rPr b="0" lang="en-US" sz="1200" spc="-1" strike="noStrike">
                 <a:solidFill>
                   <a:srgbClr val="000000"/>
@@ -1657,7 +1501,7 @@
         <p:spPr>
           <a:xfrm>
             <a:off x="685800" y="1143000"/>
-            <a:ext cx="5485680" cy="3085560"/>
+            <a:ext cx="5485320" cy="3085200"/>
           </a:xfrm>
           <a:prstGeom prst="rect">
             <a:avLst/>
@@ -1680,7 +1524,7 @@
         <p:spPr>
           <a:xfrm>
             <a:off x="685800" y="4400640"/>
-            <a:ext cx="5485680" cy="3599640"/>
+            <a:ext cx="5485320" cy="3599280"/>
           </a:xfrm>
           <a:prstGeom prst="rect">
             <a:avLst/>
@@ -1714,7 +1558,7 @@
         <p:spPr>
           <a:xfrm>
             <a:off x="3884760" y="8685360"/>
-            <a:ext cx="2971080" cy="457920"/>
+            <a:ext cx="2970720" cy="457560"/>
           </a:xfrm>
           <a:prstGeom prst="rect">
             <a:avLst/>
@@ -1750,7 +1594,7 @@
               </a:lnSpc>
               <a:buNone/>
             </a:pPr>
-            <a:fld id="{6F3CF525-F4A5-48BF-8816-1489E98E699A}" type="slidenum">
+            <a:fld id="{57D70E2C-2073-491F-8A9A-F7D778F5D2BF}" type="slidenum">
               <a:rPr b="0" lang="en-US" sz="1200" spc="-1" strike="noStrike">
                 <a:solidFill>
                   <a:srgbClr val="000000"/>
@@ -1801,7 +1645,7 @@
         <p:spPr>
           <a:xfrm>
             <a:off x="685800" y="1143000"/>
-            <a:ext cx="5485680" cy="3085560"/>
+            <a:ext cx="5485320" cy="3085200"/>
           </a:xfrm>
           <a:prstGeom prst="rect">
             <a:avLst/>
@@ -1824,7 +1668,7 @@
         <p:spPr>
           <a:xfrm>
             <a:off x="685800" y="4400640"/>
-            <a:ext cx="5485680" cy="3599640"/>
+            <a:ext cx="5485320" cy="3599280"/>
           </a:xfrm>
           <a:prstGeom prst="rect">
             <a:avLst/>
@@ -1858,7 +1702,7 @@
         <p:spPr>
           <a:xfrm>
             <a:off x="3884760" y="8685360"/>
-            <a:ext cx="2971080" cy="457920"/>
+            <a:ext cx="2970720" cy="457560"/>
           </a:xfrm>
           <a:prstGeom prst="rect">
             <a:avLst/>
@@ -1894,7 +1738,7 @@
               </a:lnSpc>
               <a:buNone/>
             </a:pPr>
-            <a:fld id="{201C7723-0156-4A99-8DF5-B1F2EA8236F8}" type="slidenum">
+            <a:fld id="{8036BD68-8E7B-4CFB-84DB-28B9D416E7AB}" type="slidenum">
               <a:rPr b="0" lang="en-US" sz="1200" spc="-1" strike="noStrike">
                 <a:solidFill>
                   <a:srgbClr val="000000"/>
@@ -3742,7 +3586,7 @@
         <p:spPr>
           <a:xfrm>
             <a:off x="0" y="4114800"/>
-            <a:ext cx="9143280" cy="1028160"/>
+            <a:ext cx="9142920" cy="1027800"/>
           </a:xfrm>
           <a:prstGeom prst="rect">
             <a:avLst/>
@@ -3773,7 +3617,7 @@
         <p:spPr>
           <a:xfrm>
             <a:off x="457200" y="1097280"/>
-            <a:ext cx="109080" cy="2742480"/>
+            <a:ext cx="108720" cy="2742120"/>
           </a:xfrm>
           <a:prstGeom prst="rect">
             <a:avLst/>
@@ -3804,7 +3648,7 @@
         <p:spPr>
           <a:xfrm>
             <a:off x="777240" y="1097280"/>
-            <a:ext cx="7771680" cy="822240"/>
+            <a:ext cx="7771320" cy="821880"/>
           </a:xfrm>
           <a:prstGeom prst="rect">
             <a:avLst/>
@@ -3859,7 +3703,7 @@
         <p:spPr>
           <a:xfrm>
             <a:off x="777240" y="1874520"/>
-            <a:ext cx="7771680" cy="730800"/>
+            <a:ext cx="7771320" cy="730440"/>
           </a:xfrm>
           <a:prstGeom prst="rect">
             <a:avLst/>
@@ -3914,7 +3758,7 @@
         <p:spPr>
           <a:xfrm>
             <a:off x="777240" y="2743200"/>
-            <a:ext cx="7314480" cy="410760"/>
+            <a:ext cx="7314120" cy="410400"/>
           </a:xfrm>
           <a:prstGeom prst="rect">
             <a:avLst/>
@@ -3969,7 +3813,7 @@
         <p:spPr>
           <a:xfrm>
             <a:off x="777240" y="3246120"/>
-            <a:ext cx="4571280" cy="319320"/>
+            <a:ext cx="4570920" cy="318960"/>
           </a:xfrm>
           <a:prstGeom prst="rect">
             <a:avLst/>
@@ -4024,7 +3868,7 @@
         <p:spPr>
           <a:xfrm>
             <a:off x="457200" y="4187880"/>
-            <a:ext cx="8228880" cy="319320"/>
+            <a:ext cx="8228520" cy="318960"/>
           </a:xfrm>
           <a:prstGeom prst="rect">
             <a:avLst/>
@@ -4079,7 +3923,7 @@
         <p:spPr>
           <a:xfrm>
             <a:off x="6858000" y="274320"/>
-            <a:ext cx="2559600" cy="2559600"/>
+            <a:ext cx="2559240" cy="2559240"/>
           </a:xfrm>
           <a:prstGeom prst="ellipse">
             <a:avLst/>
@@ -4114,7 +3958,7 @@
         <p:spPr>
           <a:xfrm>
             <a:off x="7498080" y="1371600"/>
-            <a:ext cx="1370880" cy="1370880"/>
+            <a:ext cx="1370520" cy="1370520"/>
           </a:xfrm>
           <a:prstGeom prst="ellipse">
             <a:avLst/>
@@ -4186,7 +4030,7 @@
         <p:spPr>
           <a:xfrm>
             <a:off x="0" y="0"/>
-            <a:ext cx="9143280" cy="1005120"/>
+            <a:ext cx="9142920" cy="1004760"/>
           </a:xfrm>
           <a:prstGeom prst="rect">
             <a:avLst/>
@@ -4217,7 +4061,7 @@
         <p:spPr>
           <a:xfrm>
             <a:off x="0" y="0"/>
-            <a:ext cx="109080" cy="1005120"/>
+            <a:ext cx="108720" cy="1004760"/>
           </a:xfrm>
           <a:prstGeom prst="rect">
             <a:avLst/>
@@ -4248,7 +4092,7 @@
         <p:spPr>
           <a:xfrm>
             <a:off x="255960" y="137160"/>
-            <a:ext cx="8503200" cy="547920"/>
+            <a:ext cx="8502840" cy="547560"/>
           </a:xfrm>
           <a:prstGeom prst="rect">
             <a:avLst/>
@@ -4303,7 +4147,7 @@
         <p:spPr>
           <a:xfrm>
             <a:off x="255960" y="658440"/>
-            <a:ext cx="8503200" cy="273600"/>
+            <a:ext cx="8502840" cy="273240"/>
           </a:xfrm>
           <a:prstGeom prst="rect">
             <a:avLst/>
@@ -4358,7 +4202,7 @@
         <p:spPr>
           <a:xfrm>
             <a:off x="320040" y="1170360"/>
-            <a:ext cx="4205520" cy="1114920"/>
+            <a:ext cx="4205160" cy="1114560"/>
           </a:xfrm>
           <a:prstGeom prst="rect">
             <a:avLst/>
@@ -4396,7 +4240,7 @@
         <p:spPr>
           <a:xfrm>
             <a:off x="320040" y="1170360"/>
-            <a:ext cx="72360" cy="1114920"/>
+            <a:ext cx="72000" cy="1114560"/>
           </a:xfrm>
           <a:prstGeom prst="rect">
             <a:avLst/>
@@ -4427,7 +4271,7 @@
         <p:spPr>
           <a:xfrm>
             <a:off x="484560" y="1243440"/>
-            <a:ext cx="410760" cy="410760"/>
+            <a:ext cx="410400" cy="410400"/>
           </a:xfrm>
           <a:prstGeom prst="ellipse">
             <a:avLst/>
@@ -4458,7 +4302,7 @@
         <p:spPr>
           <a:xfrm>
             <a:off x="484560" y="1243440"/>
-            <a:ext cx="410760" cy="410760"/>
+            <a:ext cx="410400" cy="410400"/>
           </a:xfrm>
           <a:prstGeom prst="rect">
             <a:avLst/>
@@ -4513,7 +4357,7 @@
         <p:spPr>
           <a:xfrm>
             <a:off x="978480" y="1261800"/>
-            <a:ext cx="3428280" cy="346680"/>
+            <a:ext cx="3427920" cy="346320"/>
           </a:xfrm>
           <a:prstGeom prst="rect">
             <a:avLst/>
@@ -4568,7 +4412,7 @@
         <p:spPr>
           <a:xfrm>
             <a:off x="978480" y="1645920"/>
-            <a:ext cx="3428280" cy="566280"/>
+            <a:ext cx="3427920" cy="565920"/>
           </a:xfrm>
           <a:prstGeom prst="rect">
             <a:avLst/>
@@ -4623,7 +4467,7 @@
         <p:spPr>
           <a:xfrm>
             <a:off x="4800600" y="1170360"/>
-            <a:ext cx="4205520" cy="1114920"/>
+            <a:ext cx="4205160" cy="1114560"/>
           </a:xfrm>
           <a:prstGeom prst="rect">
             <a:avLst/>
@@ -4661,7 +4505,7 @@
         <p:spPr>
           <a:xfrm>
             <a:off x="4800600" y="1170360"/>
-            <a:ext cx="72360" cy="1114920"/>
+            <a:ext cx="72000" cy="1114560"/>
           </a:xfrm>
           <a:prstGeom prst="rect">
             <a:avLst/>
@@ -4692,7 +4536,7 @@
         <p:spPr>
           <a:xfrm>
             <a:off x="4965120" y="1243440"/>
-            <a:ext cx="410760" cy="410760"/>
+            <a:ext cx="410400" cy="410400"/>
           </a:xfrm>
           <a:prstGeom prst="ellipse">
             <a:avLst/>
@@ -4723,7 +4567,7 @@
         <p:spPr>
           <a:xfrm>
             <a:off x="4965120" y="1243440"/>
-            <a:ext cx="410760" cy="410760"/>
+            <a:ext cx="410400" cy="410400"/>
           </a:xfrm>
           <a:prstGeom prst="rect">
             <a:avLst/>
@@ -4778,7 +4622,7 @@
         <p:spPr>
           <a:xfrm>
             <a:off x="5459040" y="1261800"/>
-            <a:ext cx="3428280" cy="346680"/>
+            <a:ext cx="3427920" cy="346320"/>
           </a:xfrm>
           <a:prstGeom prst="rect">
             <a:avLst/>
@@ -4833,7 +4677,7 @@
         <p:spPr>
           <a:xfrm>
             <a:off x="5459040" y="1645920"/>
-            <a:ext cx="3428280" cy="566280"/>
+            <a:ext cx="3427920" cy="565920"/>
           </a:xfrm>
           <a:prstGeom prst="rect">
             <a:avLst/>
@@ -4888,7 +4732,7 @@
         <p:spPr>
           <a:xfrm>
             <a:off x="320040" y="2432160"/>
-            <a:ext cx="4205520" cy="1114920"/>
+            <a:ext cx="4205160" cy="1114560"/>
           </a:xfrm>
           <a:prstGeom prst="rect">
             <a:avLst/>
@@ -4926,7 +4770,7 @@
         <p:spPr>
           <a:xfrm>
             <a:off x="320040" y="2432160"/>
-            <a:ext cx="72360" cy="1114920"/>
+            <a:ext cx="72000" cy="1114560"/>
           </a:xfrm>
           <a:prstGeom prst="rect">
             <a:avLst/>
@@ -4957,7 +4801,7 @@
         <p:spPr>
           <a:xfrm>
             <a:off x="484560" y="2505600"/>
-            <a:ext cx="410760" cy="410760"/>
+            <a:ext cx="410400" cy="410400"/>
           </a:xfrm>
           <a:prstGeom prst="ellipse">
             <a:avLst/>
@@ -4988,7 +4832,7 @@
         <p:spPr>
           <a:xfrm>
             <a:off x="484560" y="2505600"/>
-            <a:ext cx="410760" cy="410760"/>
+            <a:ext cx="410400" cy="410400"/>
           </a:xfrm>
           <a:prstGeom prst="rect">
             <a:avLst/>
@@ -5043,7 +4887,7 @@
         <p:spPr>
           <a:xfrm>
             <a:off x="978480" y="2523600"/>
-            <a:ext cx="3428280" cy="346680"/>
+            <a:ext cx="3427920" cy="346320"/>
           </a:xfrm>
           <a:prstGeom prst="rect">
             <a:avLst/>
@@ -5098,7 +4942,7 @@
         <p:spPr>
           <a:xfrm>
             <a:off x="978480" y="2907720"/>
-            <a:ext cx="3428280" cy="566280"/>
+            <a:ext cx="3427920" cy="565920"/>
           </a:xfrm>
           <a:prstGeom prst="rect">
             <a:avLst/>
@@ -5153,7 +4997,7 @@
         <p:spPr>
           <a:xfrm>
             <a:off x="4800600" y="2432160"/>
-            <a:ext cx="4205520" cy="1114920"/>
+            <a:ext cx="4205160" cy="1114560"/>
           </a:xfrm>
           <a:prstGeom prst="rect">
             <a:avLst/>
@@ -5191,7 +5035,7 @@
         <p:spPr>
           <a:xfrm>
             <a:off x="4800600" y="2432160"/>
-            <a:ext cx="72360" cy="1114920"/>
+            <a:ext cx="72000" cy="1114560"/>
           </a:xfrm>
           <a:prstGeom prst="rect">
             <a:avLst/>
@@ -5222,7 +5066,7 @@
         <p:spPr>
           <a:xfrm>
             <a:off x="4965120" y="2505600"/>
-            <a:ext cx="410760" cy="410760"/>
+            <a:ext cx="410400" cy="410400"/>
           </a:xfrm>
           <a:prstGeom prst="ellipse">
             <a:avLst/>
@@ -5253,7 +5097,7 @@
         <p:spPr>
           <a:xfrm>
             <a:off x="4965120" y="2505600"/>
-            <a:ext cx="410760" cy="410760"/>
+            <a:ext cx="410400" cy="410400"/>
           </a:xfrm>
           <a:prstGeom prst="rect">
             <a:avLst/>
@@ -5308,7 +5152,7 @@
         <p:spPr>
           <a:xfrm>
             <a:off x="5459040" y="2523600"/>
-            <a:ext cx="3428280" cy="346680"/>
+            <a:ext cx="3427920" cy="346320"/>
           </a:xfrm>
           <a:prstGeom prst="rect">
             <a:avLst/>
@@ -5363,7 +5207,7 @@
         <p:spPr>
           <a:xfrm>
             <a:off x="5459040" y="2907720"/>
-            <a:ext cx="3428280" cy="566280"/>
+            <a:ext cx="3427920" cy="565920"/>
           </a:xfrm>
           <a:prstGeom prst="rect">
             <a:avLst/>
@@ -5418,7 +5262,7 @@
         <p:spPr>
           <a:xfrm>
             <a:off x="320040" y="3694320"/>
-            <a:ext cx="4205520" cy="1114920"/>
+            <a:ext cx="4205160" cy="1114560"/>
           </a:xfrm>
           <a:prstGeom prst="rect">
             <a:avLst/>
@@ -5456,7 +5300,7 @@
         <p:spPr>
           <a:xfrm>
             <a:off x="320040" y="3694320"/>
-            <a:ext cx="72360" cy="1114920"/>
+            <a:ext cx="72000" cy="1114560"/>
           </a:xfrm>
           <a:prstGeom prst="rect">
             <a:avLst/>
@@ -5487,7 +5331,7 @@
         <p:spPr>
           <a:xfrm>
             <a:off x="484560" y="3767400"/>
-            <a:ext cx="410760" cy="410760"/>
+            <a:ext cx="410400" cy="410400"/>
           </a:xfrm>
           <a:prstGeom prst="ellipse">
             <a:avLst/>
@@ -5518,7 +5362,7 @@
         <p:spPr>
           <a:xfrm>
             <a:off x="484560" y="3767400"/>
-            <a:ext cx="410760" cy="410760"/>
+            <a:ext cx="410400" cy="410400"/>
           </a:xfrm>
           <a:prstGeom prst="rect">
             <a:avLst/>
@@ -5573,7 +5417,7 @@
         <p:spPr>
           <a:xfrm>
             <a:off x="978480" y="3785760"/>
-            <a:ext cx="3428280" cy="346680"/>
+            <a:ext cx="3427920" cy="346320"/>
           </a:xfrm>
           <a:prstGeom prst="rect">
             <a:avLst/>
@@ -5628,7 +5472,7 @@
         <p:spPr>
           <a:xfrm>
             <a:off x="978480" y="4169520"/>
-            <a:ext cx="3428280" cy="566280"/>
+            <a:ext cx="3427920" cy="565920"/>
           </a:xfrm>
           <a:prstGeom prst="rect">
             <a:avLst/>
@@ -5683,7 +5527,7 @@
         <p:spPr>
           <a:xfrm>
             <a:off x="4800600" y="3694320"/>
-            <a:ext cx="4205520" cy="1114920"/>
+            <a:ext cx="4205160" cy="1114560"/>
           </a:xfrm>
           <a:prstGeom prst="rect">
             <a:avLst/>
@@ -5721,7 +5565,7 @@
         <p:spPr>
           <a:xfrm>
             <a:off x="4800600" y="3694320"/>
-            <a:ext cx="72360" cy="1114920"/>
+            <a:ext cx="72000" cy="1114560"/>
           </a:xfrm>
           <a:prstGeom prst="rect">
             <a:avLst/>
@@ -5752,7 +5596,7 @@
         <p:spPr>
           <a:xfrm>
             <a:off x="4965120" y="3767400"/>
-            <a:ext cx="410760" cy="410760"/>
+            <a:ext cx="410400" cy="410400"/>
           </a:xfrm>
           <a:prstGeom prst="ellipse">
             <a:avLst/>
@@ -5783,7 +5627,7 @@
         <p:spPr>
           <a:xfrm>
             <a:off x="4965120" y="3767400"/>
-            <a:ext cx="410760" cy="410760"/>
+            <a:ext cx="410400" cy="410400"/>
           </a:xfrm>
           <a:prstGeom prst="rect">
             <a:avLst/>
@@ -5838,7 +5682,7 @@
         <p:spPr>
           <a:xfrm>
             <a:off x="5459040" y="3785760"/>
-            <a:ext cx="3428280" cy="346680"/>
+            <a:ext cx="3427920" cy="346320"/>
           </a:xfrm>
           <a:prstGeom prst="rect">
             <a:avLst/>
@@ -5893,7 +5737,7 @@
         <p:spPr>
           <a:xfrm>
             <a:off x="5459040" y="4169520"/>
-            <a:ext cx="3428280" cy="566280"/>
+            <a:ext cx="3427920" cy="565920"/>
           </a:xfrm>
           <a:prstGeom prst="rect">
             <a:avLst/>
@@ -5948,7 +5792,7 @@
         <p:spPr>
           <a:xfrm>
             <a:off x="320040" y="4773240"/>
-            <a:ext cx="8503200" cy="273600"/>
+            <a:ext cx="8502840" cy="273240"/>
           </a:xfrm>
           <a:prstGeom prst="rect">
             <a:avLst/>
@@ -5986,7 +5830,7 @@
         <p:spPr>
           <a:xfrm>
             <a:off x="457200" y="4773240"/>
-            <a:ext cx="8228880" cy="273600"/>
+            <a:ext cx="8228520" cy="273240"/>
           </a:xfrm>
           <a:prstGeom prst="rect">
             <a:avLst/>
@@ -6078,7 +5922,7 @@
         <p:spPr>
           <a:xfrm>
             <a:off x="0" y="0"/>
-            <a:ext cx="9143280" cy="1005120"/>
+            <a:ext cx="9142920" cy="1004760"/>
           </a:xfrm>
           <a:prstGeom prst="rect">
             <a:avLst/>
@@ -6109,7 +5953,7 @@
         <p:spPr>
           <a:xfrm>
             <a:off x="0" y="0"/>
-            <a:ext cx="109080" cy="1005120"/>
+            <a:ext cx="108720" cy="1004760"/>
           </a:xfrm>
           <a:prstGeom prst="rect">
             <a:avLst/>
@@ -6140,7 +5984,7 @@
         <p:spPr>
           <a:xfrm>
             <a:off x="255960" y="137160"/>
-            <a:ext cx="8503200" cy="547920"/>
+            <a:ext cx="8502840" cy="547560"/>
           </a:xfrm>
           <a:prstGeom prst="rect">
             <a:avLst/>
@@ -6195,7 +6039,7 @@
         <p:spPr>
           <a:xfrm>
             <a:off x="255960" y="658440"/>
-            <a:ext cx="8503200" cy="273600"/>
+            <a:ext cx="8502840" cy="273240"/>
           </a:xfrm>
           <a:prstGeom prst="rect">
             <a:avLst/>
@@ -6250,7 +6094,7 @@
         <p:spPr>
           <a:xfrm>
             <a:off x="320040" y="1143000"/>
-            <a:ext cx="4095720" cy="3611160"/>
+            <a:ext cx="4095360" cy="3610800"/>
           </a:xfrm>
           <a:prstGeom prst="rect">
             <a:avLst/>
@@ -6288,7 +6132,7 @@
         <p:spPr>
           <a:xfrm>
             <a:off x="320040" y="1143000"/>
-            <a:ext cx="4095720" cy="383400"/>
+            <a:ext cx="4095360" cy="383040"/>
           </a:xfrm>
           <a:prstGeom prst="rect">
             <a:avLst/>
@@ -6319,7 +6163,7 @@
         <p:spPr>
           <a:xfrm>
             <a:off x="457200" y="1143000"/>
-            <a:ext cx="3839760" cy="383400"/>
+            <a:ext cx="3839400" cy="383040"/>
           </a:xfrm>
           <a:prstGeom prst="rect">
             <a:avLst/>
@@ -6374,7 +6218,7 @@
         <p:spPr>
           <a:xfrm>
             <a:off x="457200" y="1581840"/>
-            <a:ext cx="3839760" cy="273600"/>
+            <a:ext cx="3839400" cy="273240"/>
           </a:xfrm>
           <a:prstGeom prst="rect">
             <a:avLst/>
@@ -6429,7 +6273,7 @@
         <p:spPr>
           <a:xfrm>
             <a:off x="457200" y="1920240"/>
-            <a:ext cx="3821400" cy="529560"/>
+            <a:ext cx="3821040" cy="529200"/>
           </a:xfrm>
           <a:prstGeom prst="rect">
             <a:avLst/>
@@ -6467,7 +6311,7 @@
         <p:spPr>
           <a:xfrm>
             <a:off x="457200" y="1920240"/>
-            <a:ext cx="72360" cy="529560"/>
+            <a:ext cx="72000" cy="529200"/>
           </a:xfrm>
           <a:prstGeom prst="rect">
             <a:avLst/>
@@ -6498,7 +6342,7 @@
         <p:spPr>
           <a:xfrm>
             <a:off x="621720" y="1920240"/>
-            <a:ext cx="1645200" cy="529560"/>
+            <a:ext cx="1644840" cy="529200"/>
           </a:xfrm>
           <a:prstGeom prst="rect">
             <a:avLst/>
@@ -6553,7 +6397,7 @@
         <p:spPr>
           <a:xfrm>
             <a:off x="2286000" y="1920240"/>
-            <a:ext cx="1919520" cy="529560"/>
+            <a:ext cx="1919160" cy="529200"/>
           </a:xfrm>
           <a:prstGeom prst="rect">
             <a:avLst/>
@@ -6608,7 +6452,7 @@
         <p:spPr>
           <a:xfrm>
             <a:off x="457200" y="2578680"/>
-            <a:ext cx="3821400" cy="529560"/>
+            <a:ext cx="3821040" cy="529200"/>
           </a:xfrm>
           <a:prstGeom prst="rect">
             <a:avLst/>
@@ -6646,7 +6490,7 @@
         <p:spPr>
           <a:xfrm>
             <a:off x="457200" y="2578680"/>
-            <a:ext cx="72360" cy="529560"/>
+            <a:ext cx="72000" cy="529200"/>
           </a:xfrm>
           <a:prstGeom prst="rect">
             <a:avLst/>
@@ -6677,7 +6521,7 @@
         <p:spPr>
           <a:xfrm>
             <a:off x="621720" y="2578680"/>
-            <a:ext cx="1645200" cy="529560"/>
+            <a:ext cx="1644840" cy="529200"/>
           </a:xfrm>
           <a:prstGeom prst="rect">
             <a:avLst/>
@@ -6732,7 +6576,7 @@
         <p:spPr>
           <a:xfrm>
             <a:off x="2286000" y="2578680"/>
-            <a:ext cx="1919520" cy="529560"/>
+            <a:ext cx="1919160" cy="529200"/>
           </a:xfrm>
           <a:prstGeom prst="rect">
             <a:avLst/>
@@ -6787,7 +6631,7 @@
         <p:spPr>
           <a:xfrm>
             <a:off x="457200" y="3310200"/>
-            <a:ext cx="3821400" cy="1261080"/>
+            <a:ext cx="3821040" cy="1260720"/>
           </a:xfrm>
           <a:prstGeom prst="rect">
             <a:avLst/>
@@ -6825,7 +6669,7 @@
         <p:spPr>
           <a:xfrm>
             <a:off x="621720" y="3401640"/>
-            <a:ext cx="3474000" cy="255240"/>
+            <a:ext cx="3473640" cy="254880"/>
           </a:xfrm>
           <a:prstGeom prst="rect">
             <a:avLst/>
@@ -6880,7 +6724,7 @@
         <p:spPr>
           <a:xfrm>
             <a:off x="621720" y="3675960"/>
-            <a:ext cx="3474000" cy="776520"/>
+            <a:ext cx="3473640" cy="776160"/>
           </a:xfrm>
           <a:prstGeom prst="rect">
             <a:avLst/>
@@ -6935,7 +6779,7 @@
         <p:spPr>
           <a:xfrm>
             <a:off x="4727520" y="1143000"/>
-            <a:ext cx="4095720" cy="3611160"/>
+            <a:ext cx="4095360" cy="3610800"/>
           </a:xfrm>
           <a:prstGeom prst="rect">
             <a:avLst/>
@@ -6973,7 +6817,7 @@
         <p:spPr>
           <a:xfrm>
             <a:off x="4727520" y="1143000"/>
-            <a:ext cx="4095720" cy="383400"/>
+            <a:ext cx="4095360" cy="383040"/>
           </a:xfrm>
           <a:prstGeom prst="rect">
             <a:avLst/>
@@ -7004,7 +6848,7 @@
         <p:spPr>
           <a:xfrm>
             <a:off x="4864680" y="1143000"/>
-            <a:ext cx="3839760" cy="383400"/>
+            <a:ext cx="3839400" cy="383040"/>
           </a:xfrm>
           <a:prstGeom prst="rect">
             <a:avLst/>
@@ -7059,7 +6903,7 @@
         <p:spPr>
           <a:xfrm>
             <a:off x="4864680" y="1581840"/>
-            <a:ext cx="3839760" cy="273600"/>
+            <a:ext cx="3839400" cy="273240"/>
           </a:xfrm>
           <a:prstGeom prst="rect">
             <a:avLst/>
@@ -7114,7 +6958,7 @@
         <p:spPr>
           <a:xfrm>
             <a:off x="4864680" y="1920240"/>
-            <a:ext cx="3821400" cy="419760"/>
+            <a:ext cx="3821040" cy="419400"/>
           </a:xfrm>
           <a:prstGeom prst="rect">
             <a:avLst/>
@@ -7152,7 +6996,7 @@
         <p:spPr>
           <a:xfrm>
             <a:off x="4864680" y="1920240"/>
-            <a:ext cx="72360" cy="419760"/>
+            <a:ext cx="72000" cy="419400"/>
           </a:xfrm>
           <a:prstGeom prst="rect">
             <a:avLst/>
@@ -7183,7 +7027,7 @@
         <p:spPr>
           <a:xfrm>
             <a:off x="5029200" y="1920240"/>
-            <a:ext cx="1828080" cy="419760"/>
+            <a:ext cx="1827720" cy="419400"/>
           </a:xfrm>
           <a:prstGeom prst="rect">
             <a:avLst/>
@@ -7238,7 +7082,7 @@
         <p:spPr>
           <a:xfrm>
             <a:off x="6876360" y="1920240"/>
-            <a:ext cx="1736640" cy="419760"/>
+            <a:ext cx="1736280" cy="419400"/>
           </a:xfrm>
           <a:prstGeom prst="rect">
             <a:avLst/>
@@ -7293,7 +7137,7 @@
         <p:spPr>
           <a:xfrm>
             <a:off x="4864680" y="2450520"/>
-            <a:ext cx="3821400" cy="419760"/>
+            <a:ext cx="3821040" cy="419400"/>
           </a:xfrm>
           <a:prstGeom prst="rect">
             <a:avLst/>
@@ -7331,7 +7175,7 @@
         <p:spPr>
           <a:xfrm>
             <a:off x="4864680" y="2450520"/>
-            <a:ext cx="72360" cy="419760"/>
+            <a:ext cx="72000" cy="419400"/>
           </a:xfrm>
           <a:prstGeom prst="rect">
             <a:avLst/>
@@ -7362,7 +7206,7 @@
         <p:spPr>
           <a:xfrm>
             <a:off x="5029200" y="2450520"/>
-            <a:ext cx="1828080" cy="419760"/>
+            <a:ext cx="1827720" cy="419400"/>
           </a:xfrm>
           <a:prstGeom prst="rect">
             <a:avLst/>
@@ -7417,7 +7261,7 @@
         <p:spPr>
           <a:xfrm>
             <a:off x="6876360" y="2450520"/>
-            <a:ext cx="1736640" cy="419760"/>
+            <a:ext cx="1736280" cy="419400"/>
           </a:xfrm>
           <a:prstGeom prst="rect">
             <a:avLst/>
@@ -7472,7 +7316,7 @@
         <p:spPr>
           <a:xfrm>
             <a:off x="4864680" y="2980800"/>
-            <a:ext cx="3821400" cy="419760"/>
+            <a:ext cx="3821040" cy="419400"/>
           </a:xfrm>
           <a:prstGeom prst="rect">
             <a:avLst/>
@@ -7510,7 +7354,7 @@
         <p:spPr>
           <a:xfrm>
             <a:off x="4864680" y="2980800"/>
-            <a:ext cx="72360" cy="419760"/>
+            <a:ext cx="72000" cy="419400"/>
           </a:xfrm>
           <a:prstGeom prst="rect">
             <a:avLst/>
@@ -7541,7 +7385,7 @@
         <p:spPr>
           <a:xfrm>
             <a:off x="5029200" y="2980800"/>
-            <a:ext cx="1828080" cy="419760"/>
+            <a:ext cx="1827720" cy="419400"/>
           </a:xfrm>
           <a:prstGeom prst="rect">
             <a:avLst/>
@@ -7596,7 +7440,7 @@
         <p:spPr>
           <a:xfrm>
             <a:off x="6876360" y="2980800"/>
-            <a:ext cx="1736640" cy="419760"/>
+            <a:ext cx="1736280" cy="419400"/>
           </a:xfrm>
           <a:prstGeom prst="rect">
             <a:avLst/>
@@ -7651,7 +7495,7 @@
         <p:spPr>
           <a:xfrm>
             <a:off x="4864680" y="3511440"/>
-            <a:ext cx="3821400" cy="419760"/>
+            <a:ext cx="3821040" cy="419400"/>
           </a:xfrm>
           <a:prstGeom prst="rect">
             <a:avLst/>
@@ -7689,7 +7533,7 @@
         <p:spPr>
           <a:xfrm>
             <a:off x="4864680" y="3511440"/>
-            <a:ext cx="72360" cy="419760"/>
+            <a:ext cx="72000" cy="419400"/>
           </a:xfrm>
           <a:prstGeom prst="rect">
             <a:avLst/>
@@ -7720,7 +7564,7 @@
         <p:spPr>
           <a:xfrm>
             <a:off x="5029200" y="3511440"/>
-            <a:ext cx="1828080" cy="419760"/>
+            <a:ext cx="1827720" cy="419400"/>
           </a:xfrm>
           <a:prstGeom prst="rect">
             <a:avLst/>
@@ -7775,7 +7619,7 @@
         <p:spPr>
           <a:xfrm>
             <a:off x="6876360" y="3511440"/>
-            <a:ext cx="1736640" cy="419760"/>
+            <a:ext cx="1736280" cy="419400"/>
           </a:xfrm>
           <a:prstGeom prst="rect">
             <a:avLst/>
@@ -7830,7 +7674,7 @@
         <p:spPr>
           <a:xfrm>
             <a:off x="4864680" y="4041720"/>
-            <a:ext cx="3821400" cy="419760"/>
+            <a:ext cx="3821040" cy="419400"/>
           </a:xfrm>
           <a:prstGeom prst="rect">
             <a:avLst/>
@@ -7868,7 +7712,7 @@
         <p:spPr>
           <a:xfrm>
             <a:off x="4864680" y="4041720"/>
-            <a:ext cx="72360" cy="419760"/>
+            <a:ext cx="72000" cy="419400"/>
           </a:xfrm>
           <a:prstGeom prst="rect">
             <a:avLst/>
@@ -7899,7 +7743,7 @@
         <p:spPr>
           <a:xfrm>
             <a:off x="5029200" y="4041720"/>
-            <a:ext cx="1828080" cy="419760"/>
+            <a:ext cx="1827720" cy="419400"/>
           </a:xfrm>
           <a:prstGeom prst="rect">
             <a:avLst/>
@@ -7954,7 +7798,7 @@
         <p:spPr>
           <a:xfrm>
             <a:off x="6876360" y="4041720"/>
-            <a:ext cx="1736640" cy="419760"/>
+            <a:ext cx="1736280" cy="419400"/>
           </a:xfrm>
           <a:prstGeom prst="rect">
             <a:avLst/>
@@ -8046,7 +7890,7 @@
         <p:spPr>
           <a:xfrm>
             <a:off x="0" y="0"/>
-            <a:ext cx="9143280" cy="1005120"/>
+            <a:ext cx="9142920" cy="1004760"/>
           </a:xfrm>
           <a:prstGeom prst="rect">
             <a:avLst/>
@@ -8077,7 +7921,7 @@
         <p:spPr>
           <a:xfrm>
             <a:off x="0" y="0"/>
-            <a:ext cx="109080" cy="1005120"/>
+            <a:ext cx="108720" cy="1004760"/>
           </a:xfrm>
           <a:prstGeom prst="rect">
             <a:avLst/>
@@ -8108,7 +7952,7 @@
         <p:spPr>
           <a:xfrm>
             <a:off x="255960" y="137160"/>
-            <a:ext cx="8503200" cy="547920"/>
+            <a:ext cx="8502840" cy="547560"/>
           </a:xfrm>
           <a:prstGeom prst="rect">
             <a:avLst/>
@@ -8163,7 +8007,7 @@
         <p:spPr>
           <a:xfrm>
             <a:off x="255960" y="658440"/>
-            <a:ext cx="8503200" cy="273600"/>
+            <a:ext cx="8502840" cy="273240"/>
           </a:xfrm>
           <a:prstGeom prst="rect">
             <a:avLst/>
@@ -8218,7 +8062,7 @@
         <p:spPr>
           <a:xfrm>
             <a:off x="320040" y="1143000"/>
-            <a:ext cx="8503200" cy="986760"/>
+            <a:ext cx="8502840" cy="986400"/>
           </a:xfrm>
           <a:prstGeom prst="rect">
             <a:avLst/>
@@ -8256,7 +8100,7 @@
         <p:spPr>
           <a:xfrm>
             <a:off x="320040" y="1143000"/>
-            <a:ext cx="8503200" cy="63360"/>
+            <a:ext cx="8502840" cy="63000"/>
           </a:xfrm>
           <a:prstGeom prst="rect">
             <a:avLst/>
@@ -8287,7 +8131,7 @@
         <p:spPr>
           <a:xfrm>
             <a:off x="457200" y="1252800"/>
-            <a:ext cx="8228880" cy="502200"/>
+            <a:ext cx="8228520" cy="501840"/>
           </a:xfrm>
           <a:prstGeom prst="rect">
             <a:avLst/>
@@ -8342,7 +8186,7 @@
         <p:spPr>
           <a:xfrm>
             <a:off x="457200" y="1719000"/>
-            <a:ext cx="8228880" cy="273600"/>
+            <a:ext cx="8228520" cy="273240"/>
           </a:xfrm>
           <a:prstGeom prst="rect">
             <a:avLst/>
@@ -8397,7 +8241,7 @@
         <p:spPr>
           <a:xfrm>
             <a:off x="320040" y="2240280"/>
-            <a:ext cx="4095720" cy="2605320"/>
+            <a:ext cx="4095360" cy="2604960"/>
           </a:xfrm>
           <a:prstGeom prst="rect">
             <a:avLst/>
@@ -8435,7 +8279,7 @@
         <p:spPr>
           <a:xfrm>
             <a:off x="457200" y="2359080"/>
-            <a:ext cx="3839760" cy="273600"/>
+            <a:ext cx="3839400" cy="273240"/>
           </a:xfrm>
           <a:prstGeom prst="rect">
             <a:avLst/>
@@ -8490,7 +8334,7 @@
         <p:spPr>
           <a:xfrm>
             <a:off x="365760" y="2688480"/>
-            <a:ext cx="3976920" cy="2084040"/>
+            <a:ext cx="3976560" cy="2083680"/>
           </a:xfrm>
           <a:prstGeom prst="rect">
             <a:avLst/>
@@ -8521,7 +8365,7 @@
         <p:spPr>
           <a:xfrm>
             <a:off x="365760" y="2688480"/>
-            <a:ext cx="639360" cy="200520"/>
+            <a:ext cx="639000" cy="200160"/>
           </a:xfrm>
           <a:prstGeom prst="rect">
             <a:avLst/>
@@ -8552,7 +8396,7 @@
         <p:spPr>
           <a:xfrm>
             <a:off x="365760" y="2688480"/>
-            <a:ext cx="639360" cy="200520"/>
+            <a:ext cx="639000" cy="200160"/>
           </a:xfrm>
           <a:prstGeom prst="rect">
             <a:avLst/>
@@ -8607,7 +8451,7 @@
         <p:spPr>
           <a:xfrm>
             <a:off x="457200" y="2926080"/>
-            <a:ext cx="3794040" cy="1809720"/>
+            <a:ext cx="3793680" cy="1809360"/>
           </a:xfrm>
           <a:prstGeom prst="rect">
             <a:avLst/>
@@ -8860,7 +8704,7 @@
         <p:spPr>
           <a:xfrm>
             <a:off x="4727520" y="2240280"/>
-            <a:ext cx="4095720" cy="2605320"/>
+            <a:ext cx="4095360" cy="2604960"/>
           </a:xfrm>
           <a:prstGeom prst="rect">
             <a:avLst/>
@@ -8898,7 +8742,7 @@
         <p:spPr>
           <a:xfrm>
             <a:off x="4864680" y="2359080"/>
-            <a:ext cx="3839760" cy="273600"/>
+            <a:ext cx="3839400" cy="273240"/>
           </a:xfrm>
           <a:prstGeom prst="rect">
             <a:avLst/>
@@ -8953,7 +8797,7 @@
         <p:spPr>
           <a:xfrm>
             <a:off x="4864680" y="2688480"/>
-            <a:ext cx="3839760" cy="803880"/>
+            <a:ext cx="3839400" cy="803520"/>
           </a:xfrm>
           <a:prstGeom prst="rect">
             <a:avLst/>
@@ -9034,7 +8878,7 @@
         <p:spPr>
           <a:xfrm>
             <a:off x="4773240" y="3547800"/>
-            <a:ext cx="3976920" cy="1169640"/>
+            <a:ext cx="3976560" cy="1169280"/>
           </a:xfrm>
           <a:prstGeom prst="rect">
             <a:avLst/>
@@ -9065,7 +8909,7 @@
         <p:spPr>
           <a:xfrm>
             <a:off x="4773240" y="3547800"/>
-            <a:ext cx="639360" cy="200520"/>
+            <a:ext cx="639000" cy="200160"/>
           </a:xfrm>
           <a:prstGeom prst="rect">
             <a:avLst/>
@@ -9096,7 +8940,7 @@
         <p:spPr>
           <a:xfrm>
             <a:off x="4773240" y="3547800"/>
-            <a:ext cx="639360" cy="200520"/>
+            <a:ext cx="639000" cy="200160"/>
           </a:xfrm>
           <a:prstGeom prst="rect">
             <a:avLst/>
@@ -9151,7 +8995,7 @@
         <p:spPr>
           <a:xfrm>
             <a:off x="4864680" y="3785760"/>
-            <a:ext cx="3794040" cy="895320"/>
+            <a:ext cx="3793680" cy="894960"/>
           </a:xfrm>
           <a:prstGeom prst="rect">
             <a:avLst/>
@@ -9308,7 +9152,7 @@
         <p:spPr>
           <a:xfrm>
             <a:off x="320040" y="4773240"/>
-            <a:ext cx="8503200" cy="273600"/>
+            <a:ext cx="8502840" cy="273240"/>
           </a:xfrm>
           <a:prstGeom prst="rect">
             <a:avLst/>
@@ -9346,7 +9190,7 @@
         <p:spPr>
           <a:xfrm>
             <a:off x="320040" y="4773240"/>
-            <a:ext cx="90720" cy="273600"/>
+            <a:ext cx="90360" cy="273240"/>
           </a:xfrm>
           <a:prstGeom prst="rect">
             <a:avLst/>
@@ -9377,7 +9221,7 @@
         <p:spPr>
           <a:xfrm>
             <a:off x="457200" y="4773240"/>
-            <a:ext cx="8228880" cy="273600"/>
+            <a:ext cx="8228520" cy="273240"/>
           </a:xfrm>
           <a:prstGeom prst="rect">
             <a:avLst/>
@@ -9469,7 +9313,7 @@
         <p:spPr>
           <a:xfrm>
             <a:off x="0" y="0"/>
-            <a:ext cx="9143280" cy="1005120"/>
+            <a:ext cx="9142920" cy="1004760"/>
           </a:xfrm>
           <a:prstGeom prst="rect">
             <a:avLst/>
@@ -9500,7 +9344,7 @@
         <p:spPr>
           <a:xfrm>
             <a:off x="0" y="0"/>
-            <a:ext cx="109080" cy="1005120"/>
+            <a:ext cx="108720" cy="1004760"/>
           </a:xfrm>
           <a:prstGeom prst="rect">
             <a:avLst/>
@@ -9531,7 +9375,7 @@
         <p:spPr>
           <a:xfrm>
             <a:off x="255960" y="137160"/>
-            <a:ext cx="8503200" cy="547920"/>
+            <a:ext cx="8502840" cy="547560"/>
           </a:xfrm>
           <a:prstGeom prst="rect">
             <a:avLst/>
@@ -9586,7 +9430,7 @@
         <p:spPr>
           <a:xfrm>
             <a:off x="255960" y="658440"/>
-            <a:ext cx="8503200" cy="273600"/>
+            <a:ext cx="8502840" cy="273240"/>
           </a:xfrm>
           <a:prstGeom prst="rect">
             <a:avLst/>
@@ -9641,7 +9485,7 @@
         <p:spPr>
           <a:xfrm>
             <a:off x="320040" y="1143000"/>
-            <a:ext cx="4022640" cy="3656880"/>
+            <a:ext cx="4022280" cy="3656520"/>
           </a:xfrm>
           <a:prstGeom prst="rect">
             <a:avLst/>
@@ -9679,7 +9523,7 @@
         <p:spPr>
           <a:xfrm>
             <a:off x="457200" y="1261800"/>
-            <a:ext cx="3748320" cy="291960"/>
+            <a:ext cx="3747960" cy="291600"/>
           </a:xfrm>
           <a:prstGeom prst="rect">
             <a:avLst/>
@@ -9734,7 +9578,7 @@
         <p:spPr>
           <a:xfrm>
             <a:off x="457200" y="1609200"/>
-            <a:ext cx="3748320" cy="913680"/>
+            <a:ext cx="3747960" cy="913320"/>
           </a:xfrm>
           <a:prstGeom prst="rect">
             <a:avLst/>
@@ -9789,7 +9633,7 @@
         <p:spPr>
           <a:xfrm>
             <a:off x="457200" y="2633400"/>
-            <a:ext cx="3748320" cy="273600"/>
+            <a:ext cx="3747960" cy="273240"/>
           </a:xfrm>
           <a:prstGeom prst="rect">
             <a:avLst/>
@@ -9844,7 +9688,7 @@
         <p:spPr>
           <a:xfrm>
             <a:off x="457200" y="2926080"/>
-            <a:ext cx="3748320" cy="1188000"/>
+            <a:ext cx="3747960" cy="1187640"/>
           </a:xfrm>
           <a:prstGeom prst="rect">
             <a:avLst/>
@@ -9975,7 +9819,7 @@
         <p:spPr>
           <a:xfrm>
             <a:off x="4572000" y="1143000"/>
-            <a:ext cx="4251240" cy="3656880"/>
+            <a:ext cx="4250880" cy="3656520"/>
           </a:xfrm>
           <a:prstGeom prst="rect">
             <a:avLst/>
@@ -10013,7 +9857,7 @@
         <p:spPr>
           <a:xfrm>
             <a:off x="4709160" y="1261800"/>
-            <a:ext cx="3931200" cy="255240"/>
+            <a:ext cx="3930840" cy="254880"/>
           </a:xfrm>
           <a:prstGeom prst="rect">
             <a:avLst/>
@@ -10068,7 +9912,7 @@
         <p:spPr>
           <a:xfrm>
             <a:off x="4617720" y="1554480"/>
-            <a:ext cx="4381920" cy="4205160"/>
+            <a:ext cx="4381560" cy="4204800"/>
           </a:xfrm>
           <a:prstGeom prst="rect">
             <a:avLst/>
@@ -10099,7 +9943,7 @@
         <p:spPr>
           <a:xfrm>
             <a:off x="4617720" y="1554480"/>
-            <a:ext cx="639360" cy="200520"/>
+            <a:ext cx="639000" cy="200160"/>
           </a:xfrm>
           <a:prstGeom prst="rect">
             <a:avLst/>
@@ -10130,7 +9974,7 @@
         <p:spPr>
           <a:xfrm>
             <a:off x="4617720" y="1554480"/>
-            <a:ext cx="639360" cy="200520"/>
+            <a:ext cx="639000" cy="200160"/>
           </a:xfrm>
           <a:prstGeom prst="rect">
             <a:avLst/>
@@ -10185,7 +10029,7 @@
         <p:spPr>
           <a:xfrm>
             <a:off x="4709160" y="1792080"/>
-            <a:ext cx="3976920" cy="2943720"/>
+            <a:ext cx="3976560" cy="2943360"/>
           </a:xfrm>
           <a:prstGeom prst="rect">
             <a:avLst/>
@@ -11036,7 +10880,7 @@
         <p:spPr>
           <a:xfrm>
             <a:off x="457200" y="4773240"/>
-            <a:ext cx="4042440" cy="986400"/>
+            <a:ext cx="4042080" cy="986040"/>
           </a:xfrm>
           <a:prstGeom prst="rect">
             <a:avLst/>
@@ -11091,7 +10935,7 @@
         <p:spPr>
           <a:xfrm>
             <a:off x="346680" y="4140000"/>
-            <a:ext cx="3792960" cy="510120"/>
+            <a:ext cx="3792600" cy="509760"/>
           </a:xfrm>
           <a:prstGeom prst="rect">
             <a:avLst/>
@@ -11180,7 +11024,7 @@
         <p:spPr>
           <a:xfrm>
             <a:off x="0" y="0"/>
-            <a:ext cx="9143280" cy="1005120"/>
+            <a:ext cx="9142920" cy="1004760"/>
           </a:xfrm>
           <a:prstGeom prst="rect">
             <a:avLst/>
@@ -11211,7 +11055,7 @@
         <p:spPr>
           <a:xfrm>
             <a:off x="0" y="0"/>
-            <a:ext cx="109080" cy="1005120"/>
+            <a:ext cx="108720" cy="1004760"/>
           </a:xfrm>
           <a:prstGeom prst="rect">
             <a:avLst/>
@@ -11242,7 +11086,7 @@
         <p:spPr>
           <a:xfrm>
             <a:off x="255960" y="137160"/>
-            <a:ext cx="8503200" cy="547920"/>
+            <a:ext cx="8502840" cy="547560"/>
           </a:xfrm>
           <a:prstGeom prst="rect">
             <a:avLst/>
@@ -11297,7 +11141,7 @@
         <p:spPr>
           <a:xfrm>
             <a:off x="255960" y="658440"/>
-            <a:ext cx="8503200" cy="273600"/>
+            <a:ext cx="8502840" cy="273240"/>
           </a:xfrm>
           <a:prstGeom prst="rect">
             <a:avLst/>
@@ -11352,7 +11196,7 @@
         <p:spPr>
           <a:xfrm>
             <a:off x="320040" y="1143000"/>
-            <a:ext cx="4159800" cy="3656880"/>
+            <a:ext cx="4159440" cy="3656520"/>
           </a:xfrm>
           <a:prstGeom prst="rect">
             <a:avLst/>
@@ -11390,7 +11234,7 @@
         <p:spPr>
           <a:xfrm>
             <a:off x="457200" y="1261800"/>
-            <a:ext cx="3839760" cy="291960"/>
+            <a:ext cx="3839400" cy="291600"/>
           </a:xfrm>
           <a:prstGeom prst="rect">
             <a:avLst/>
@@ -11445,7 +11289,7 @@
         <p:spPr>
           <a:xfrm>
             <a:off x="457200" y="1609200"/>
-            <a:ext cx="3839760" cy="566280"/>
+            <a:ext cx="3839400" cy="565920"/>
           </a:xfrm>
           <a:prstGeom prst="rect">
             <a:avLst/>
@@ -11524,7 +11368,7 @@
         <p:spPr>
           <a:xfrm>
             <a:off x="365760" y="2231280"/>
-            <a:ext cx="4068360" cy="2486520"/>
+            <a:ext cx="4068000" cy="2486160"/>
           </a:xfrm>
           <a:prstGeom prst="rect">
             <a:avLst/>
@@ -11555,7 +11399,7 @@
         <p:spPr>
           <a:xfrm>
             <a:off x="365760" y="2231280"/>
-            <a:ext cx="639360" cy="200520"/>
+            <a:ext cx="639000" cy="200160"/>
           </a:xfrm>
           <a:prstGeom prst="rect">
             <a:avLst/>
@@ -11586,7 +11430,7 @@
         <p:spPr>
           <a:xfrm>
             <a:off x="365760" y="2231280"/>
-            <a:ext cx="639360" cy="200520"/>
+            <a:ext cx="639000" cy="200160"/>
           </a:xfrm>
           <a:prstGeom prst="rect">
             <a:avLst/>
@@ -11641,7 +11485,7 @@
         <p:spPr>
           <a:xfrm>
             <a:off x="457200" y="2468880"/>
-            <a:ext cx="3885480" cy="2212200"/>
+            <a:ext cx="3885120" cy="2211840"/>
           </a:xfrm>
           <a:prstGeom prst="rect">
             <a:avLst/>
@@ -12006,7 +11850,7 @@
         <p:spPr>
           <a:xfrm>
             <a:off x="4663440" y="1143000"/>
-            <a:ext cx="4159800" cy="3656880"/>
+            <a:ext cx="4159440" cy="3656520"/>
           </a:xfrm>
           <a:prstGeom prst="rect">
             <a:avLst/>
@@ -12044,7 +11888,7 @@
         <p:spPr>
           <a:xfrm>
             <a:off x="4800600" y="1261800"/>
-            <a:ext cx="3839760" cy="291960"/>
+            <a:ext cx="3839400" cy="291600"/>
           </a:xfrm>
           <a:prstGeom prst="rect">
             <a:avLst/>
@@ -12099,7 +11943,7 @@
         <p:spPr>
           <a:xfrm>
             <a:off x="4800600" y="1609200"/>
-            <a:ext cx="3839760" cy="383400"/>
+            <a:ext cx="3839400" cy="383040"/>
           </a:xfrm>
           <a:prstGeom prst="rect">
             <a:avLst/>
@@ -12154,7 +11998,7 @@
         <p:spPr>
           <a:xfrm>
             <a:off x="4709160" y="2048400"/>
-            <a:ext cx="4068360" cy="2669400"/>
+            <a:ext cx="4068000" cy="2669040"/>
           </a:xfrm>
           <a:prstGeom prst="rect">
             <a:avLst/>
@@ -12185,7 +12029,7 @@
         <p:spPr>
           <a:xfrm>
             <a:off x="4709160" y="2048400"/>
-            <a:ext cx="639360" cy="200520"/>
+            <a:ext cx="639000" cy="200160"/>
           </a:xfrm>
           <a:prstGeom prst="rect">
             <a:avLst/>
@@ -12216,7 +12060,7 @@
         <p:spPr>
           <a:xfrm>
             <a:off x="4709160" y="2048400"/>
-            <a:ext cx="639360" cy="200520"/>
+            <a:ext cx="639000" cy="200160"/>
           </a:xfrm>
           <a:prstGeom prst="rect">
             <a:avLst/>
@@ -12271,7 +12115,7 @@
         <p:spPr>
           <a:xfrm>
             <a:off x="4800600" y="2286000"/>
-            <a:ext cx="3885480" cy="2395080"/>
+            <a:ext cx="3885120" cy="2394720"/>
           </a:xfrm>
           <a:prstGeom prst="rect">
             <a:avLst/>
@@ -12676,7 +12520,7 @@
         <p:spPr>
           <a:xfrm>
             <a:off x="320040" y="4773240"/>
-            <a:ext cx="8503200" cy="273600"/>
+            <a:ext cx="8502840" cy="273240"/>
           </a:xfrm>
           <a:prstGeom prst="rect">
             <a:avLst/>
@@ -12714,7 +12558,7 @@
         <p:spPr>
           <a:xfrm>
             <a:off x="320040" y="4773240"/>
-            <a:ext cx="90720" cy="273600"/>
+            <a:ext cx="90360" cy="273240"/>
           </a:xfrm>
           <a:prstGeom prst="rect">
             <a:avLst/>
@@ -12745,7 +12589,7 @@
         <p:spPr>
           <a:xfrm>
             <a:off x="457200" y="4773240"/>
-            <a:ext cx="8228880" cy="273600"/>
+            <a:ext cx="8228520" cy="273240"/>
           </a:xfrm>
           <a:prstGeom prst="rect">
             <a:avLst/>
@@ -12837,7 +12681,7 @@
         <p:spPr>
           <a:xfrm>
             <a:off x="0" y="0"/>
-            <a:ext cx="9143280" cy="1005120"/>
+            <a:ext cx="9142920" cy="1004760"/>
           </a:xfrm>
           <a:prstGeom prst="rect">
             <a:avLst/>
@@ -12868,7 +12712,7 @@
         <p:spPr>
           <a:xfrm>
             <a:off x="0" y="0"/>
-            <a:ext cx="109080" cy="1005120"/>
+            <a:ext cx="108720" cy="1004760"/>
           </a:xfrm>
           <a:prstGeom prst="rect">
             <a:avLst/>
@@ -12899,7 +12743,7 @@
         <p:spPr>
           <a:xfrm>
             <a:off x="255960" y="137160"/>
-            <a:ext cx="8503200" cy="547920"/>
+            <a:ext cx="8502840" cy="547560"/>
           </a:xfrm>
           <a:prstGeom prst="rect">
             <a:avLst/>
@@ -12954,7 +12798,7 @@
         <p:spPr>
           <a:xfrm>
             <a:off x="255960" y="658440"/>
-            <a:ext cx="8503200" cy="273600"/>
+            <a:ext cx="8502840" cy="273240"/>
           </a:xfrm>
           <a:prstGeom prst="rect">
             <a:avLst/>
@@ -13009,7 +12853,7 @@
         <p:spPr>
           <a:xfrm>
             <a:off x="320040" y="1143000"/>
-            <a:ext cx="4159800" cy="3656880"/>
+            <a:ext cx="4159440" cy="3656520"/>
           </a:xfrm>
           <a:prstGeom prst="rect">
             <a:avLst/>
@@ -13047,7 +12891,7 @@
         <p:spPr>
           <a:xfrm>
             <a:off x="457200" y="1261800"/>
-            <a:ext cx="3839760" cy="291960"/>
+            <a:ext cx="3839400" cy="291600"/>
           </a:xfrm>
           <a:prstGeom prst="rect">
             <a:avLst/>
@@ -13102,7 +12946,7 @@
         <p:spPr>
           <a:xfrm>
             <a:off x="457200" y="1609200"/>
-            <a:ext cx="3839760" cy="291960"/>
+            <a:ext cx="3839400" cy="291600"/>
           </a:xfrm>
           <a:prstGeom prst="rect">
             <a:avLst/>
@@ -13156,8 +13000,8 @@
         </p:nvSpPr>
         <p:spPr>
           <a:xfrm>
-            <a:off x="365760" y="1956960"/>
-            <a:ext cx="4068360" cy="2815560"/>
+            <a:off x="365760" y="2139120"/>
+            <a:ext cx="4068000" cy="2815200"/>
           </a:xfrm>
           <a:prstGeom prst="rect">
             <a:avLst/>
@@ -13188,7 +13032,7 @@
         <p:spPr>
           <a:xfrm>
             <a:off x="365760" y="1956960"/>
-            <a:ext cx="639360" cy="200520"/>
+            <a:ext cx="639000" cy="200160"/>
           </a:xfrm>
           <a:prstGeom prst="rect">
             <a:avLst/>
@@ -13219,7 +13063,7 @@
         <p:spPr>
           <a:xfrm>
             <a:off x="365760" y="1956960"/>
-            <a:ext cx="639360" cy="200520"/>
+            <a:ext cx="639000" cy="200160"/>
           </a:xfrm>
           <a:prstGeom prst="rect">
             <a:avLst/>
@@ -13273,8 +13117,8 @@
         </p:nvSpPr>
         <p:spPr>
           <a:xfrm>
-            <a:off x="457200" y="2194560"/>
-            <a:ext cx="3885480" cy="2541240"/>
+            <a:off x="720000" y="2139120"/>
+            <a:ext cx="3885120" cy="2540880"/>
           </a:xfrm>
           <a:prstGeom prst="rect">
             <a:avLst/>
@@ -13577,7 +13421,7 @@
         <p:spPr>
           <a:xfrm>
             <a:off x="4663440" y="1143000"/>
-            <a:ext cx="4159800" cy="3656880"/>
+            <a:ext cx="4159440" cy="3656520"/>
           </a:xfrm>
           <a:prstGeom prst="rect">
             <a:avLst/>
@@ -13615,7 +13459,7 @@
         <p:spPr>
           <a:xfrm>
             <a:off x="4800600" y="1261800"/>
-            <a:ext cx="3839760" cy="291960"/>
+            <a:ext cx="3839400" cy="291600"/>
           </a:xfrm>
           <a:prstGeom prst="rect">
             <a:avLst/>
@@ -13670,7 +13514,7 @@
         <p:spPr>
           <a:xfrm>
             <a:off x="4800600" y="1609200"/>
-            <a:ext cx="3839760" cy="291960"/>
+            <a:ext cx="3839400" cy="291600"/>
           </a:xfrm>
           <a:prstGeom prst="rect">
             <a:avLst/>
@@ -13725,7 +13569,7 @@
         <p:spPr>
           <a:xfrm>
             <a:off x="4709160" y="1956960"/>
-            <a:ext cx="4068360" cy="2815560"/>
+            <a:ext cx="4068000" cy="2815200"/>
           </a:xfrm>
           <a:prstGeom prst="rect">
             <a:avLst/>
@@ -13756,7 +13600,7 @@
         <p:spPr>
           <a:xfrm>
             <a:off x="4709160" y="1956960"/>
-            <a:ext cx="639360" cy="200520"/>
+            <a:ext cx="639000" cy="200160"/>
           </a:xfrm>
           <a:prstGeom prst="rect">
             <a:avLst/>
@@ -13787,7 +13631,7 @@
         <p:spPr>
           <a:xfrm>
             <a:off x="4709160" y="1956960"/>
-            <a:ext cx="639360" cy="200520"/>
+            <a:ext cx="639000" cy="200160"/>
           </a:xfrm>
           <a:prstGeom prst="rect">
             <a:avLst/>
@@ -13842,7 +13686,7 @@
         <p:spPr>
           <a:xfrm>
             <a:off x="4800600" y="2194560"/>
-            <a:ext cx="3885480" cy="2541240"/>
+            <a:ext cx="3885120" cy="2540880"/>
           </a:xfrm>
           <a:prstGeom prst="rect">
             <a:avLst/>
@@ -14349,7 +14193,7 @@
         <p:spPr>
           <a:xfrm>
             <a:off x="320040" y="4773240"/>
-            <a:ext cx="8503200" cy="273600"/>
+            <a:ext cx="8502840" cy="273240"/>
           </a:xfrm>
           <a:prstGeom prst="rect">
             <a:avLst/>
@@ -14387,7 +14231,7 @@
         <p:spPr>
           <a:xfrm>
             <a:off x="320040" y="4773240"/>
-            <a:ext cx="90720" cy="273600"/>
+            <a:ext cx="90360" cy="273240"/>
           </a:xfrm>
           <a:prstGeom prst="rect">
             <a:avLst/>
@@ -14418,7 +14262,7 @@
         <p:spPr>
           <a:xfrm>
             <a:off x="457200" y="4773240"/>
-            <a:ext cx="8228880" cy="273600"/>
+            <a:ext cx="8228520" cy="273240"/>
           </a:xfrm>
           <a:prstGeom prst="rect">
             <a:avLst/>
@@ -14510,7 +14354,7 @@
         <p:spPr>
           <a:xfrm>
             <a:off x="0" y="0"/>
-            <a:ext cx="9143280" cy="1005120"/>
+            <a:ext cx="9142920" cy="1004760"/>
           </a:xfrm>
           <a:prstGeom prst="rect">
             <a:avLst/>
@@ -14541,7 +14385,7 @@
         <p:spPr>
           <a:xfrm>
             <a:off x="0" y="0"/>
-            <a:ext cx="109080" cy="1005120"/>
+            <a:ext cx="108720" cy="1004760"/>
           </a:xfrm>
           <a:prstGeom prst="rect">
             <a:avLst/>
@@ -14572,7 +14416,7 @@
         <p:spPr>
           <a:xfrm>
             <a:off x="255960" y="137160"/>
-            <a:ext cx="8503200" cy="547920"/>
+            <a:ext cx="8502840" cy="547560"/>
           </a:xfrm>
           <a:prstGeom prst="rect">
             <a:avLst/>
@@ -14627,7 +14471,7 @@
         <p:spPr>
           <a:xfrm>
             <a:off x="255960" y="658440"/>
-            <a:ext cx="8503200" cy="273600"/>
+            <a:ext cx="8502840" cy="273240"/>
           </a:xfrm>
           <a:prstGeom prst="rect">
             <a:avLst/>
@@ -14682,7 +14526,7 @@
         <p:spPr>
           <a:xfrm>
             <a:off x="320040" y="1143000"/>
-            <a:ext cx="4114080" cy="3656880"/>
+            <a:ext cx="4113720" cy="3656520"/>
           </a:xfrm>
           <a:prstGeom prst="rect">
             <a:avLst/>
@@ -14720,7 +14564,7 @@
         <p:spPr>
           <a:xfrm>
             <a:off x="457200" y="1261800"/>
-            <a:ext cx="3839760" cy="291960"/>
+            <a:ext cx="3839400" cy="291600"/>
           </a:xfrm>
           <a:prstGeom prst="rect">
             <a:avLst/>
@@ -14775,7 +14619,7 @@
         <p:spPr>
           <a:xfrm>
             <a:off x="365760" y="1609200"/>
-            <a:ext cx="4004280" cy="3089880"/>
+            <a:ext cx="4003920" cy="3089520"/>
           </a:xfrm>
           <a:prstGeom prst="rect">
             <a:avLst/>
@@ -14806,7 +14650,7 @@
         <p:spPr>
           <a:xfrm>
             <a:off x="365760" y="1609200"/>
-            <a:ext cx="639360" cy="200520"/>
+            <a:ext cx="639000" cy="200160"/>
           </a:xfrm>
           <a:prstGeom prst="rect">
             <a:avLst/>
@@ -14837,7 +14681,7 @@
         <p:spPr>
           <a:xfrm>
             <a:off x="365760" y="1609200"/>
-            <a:ext cx="639360" cy="200520"/>
+            <a:ext cx="639000" cy="200160"/>
           </a:xfrm>
           <a:prstGeom prst="rect">
             <a:avLst/>
@@ -14892,7 +14736,7 @@
         <p:spPr>
           <a:xfrm>
             <a:off x="457200" y="1847160"/>
-            <a:ext cx="3821400" cy="2815560"/>
+            <a:ext cx="3821040" cy="2815200"/>
           </a:xfrm>
           <a:prstGeom prst="rect">
             <a:avLst/>
@@ -15153,7 +14997,7 @@
         <p:spPr>
           <a:xfrm>
             <a:off x="4663440" y="1143000"/>
-            <a:ext cx="4159800" cy="3656880"/>
+            <a:ext cx="4159440" cy="3656520"/>
           </a:xfrm>
           <a:prstGeom prst="rect">
             <a:avLst/>
@@ -15191,7 +15035,7 @@
         <p:spPr>
           <a:xfrm>
             <a:off x="4800600" y="1261800"/>
-            <a:ext cx="3839760" cy="291960"/>
+            <a:ext cx="3839400" cy="291600"/>
           </a:xfrm>
           <a:prstGeom prst="rect">
             <a:avLst/>
@@ -15246,7 +15090,7 @@
         <p:spPr>
           <a:xfrm>
             <a:off x="4800600" y="1627560"/>
-            <a:ext cx="3885480" cy="410760"/>
+            <a:ext cx="3885120" cy="410400"/>
           </a:xfrm>
           <a:prstGeom prst="rect">
             <a:avLst/>
@@ -15277,7 +15121,7 @@
         <p:spPr>
           <a:xfrm>
             <a:off x="4827960" y="1673280"/>
-            <a:ext cx="328320" cy="328320"/>
+            <a:ext cx="327960" cy="327960"/>
           </a:xfrm>
           <a:prstGeom prst="ellipse">
             <a:avLst/>
@@ -15308,7 +15152,7 @@
         <p:spPr>
           <a:xfrm>
             <a:off x="4827960" y="1673280"/>
-            <a:ext cx="328320" cy="328320"/>
+            <a:ext cx="327960" cy="327960"/>
           </a:xfrm>
           <a:prstGeom prst="rect">
             <a:avLst/>
@@ -15363,7 +15207,7 @@
         <p:spPr>
           <a:xfrm>
             <a:off x="5230440" y="1627560"/>
-            <a:ext cx="3382560" cy="410760"/>
+            <a:ext cx="3382200" cy="410400"/>
           </a:xfrm>
           <a:prstGeom prst="rect">
             <a:avLst/>
@@ -15418,7 +15262,7 @@
         <p:spPr>
           <a:xfrm>
             <a:off x="4827960" y="2011680"/>
-            <a:ext cx="328320" cy="127440"/>
+            <a:ext cx="327960" cy="127080"/>
           </a:xfrm>
           <a:prstGeom prst="rect">
             <a:avLst/>
@@ -15473,7 +15317,7 @@
         <p:spPr>
           <a:xfrm>
             <a:off x="4800600" y="2130480"/>
-            <a:ext cx="3885480" cy="410760"/>
+            <a:ext cx="3885120" cy="410400"/>
           </a:xfrm>
           <a:prstGeom prst="rect">
             <a:avLst/>
@@ -15504,7 +15348,7 @@
         <p:spPr>
           <a:xfrm>
             <a:off x="4827960" y="2176200"/>
-            <a:ext cx="328320" cy="328320"/>
+            <a:ext cx="327960" cy="327960"/>
           </a:xfrm>
           <a:prstGeom prst="ellipse">
             <a:avLst/>
@@ -15535,7 +15379,7 @@
         <p:spPr>
           <a:xfrm>
             <a:off x="4827960" y="2176200"/>
-            <a:ext cx="328320" cy="328320"/>
+            <a:ext cx="327960" cy="327960"/>
           </a:xfrm>
           <a:prstGeom prst="rect">
             <a:avLst/>
@@ -15590,7 +15434,7 @@
         <p:spPr>
           <a:xfrm>
             <a:off x="5230440" y="2130480"/>
-            <a:ext cx="3382560" cy="410760"/>
+            <a:ext cx="3382200" cy="410400"/>
           </a:xfrm>
           <a:prstGeom prst="rect">
             <a:avLst/>
@@ -15645,7 +15489,7 @@
         <p:spPr>
           <a:xfrm>
             <a:off x="4827960" y="2514600"/>
-            <a:ext cx="328320" cy="127440"/>
+            <a:ext cx="327960" cy="127080"/>
           </a:xfrm>
           <a:prstGeom prst="rect">
             <a:avLst/>
@@ -15700,7 +15544,7 @@
         <p:spPr>
           <a:xfrm>
             <a:off x="4800600" y="2633400"/>
-            <a:ext cx="3885480" cy="410760"/>
+            <a:ext cx="3885120" cy="410400"/>
           </a:xfrm>
           <a:prstGeom prst="rect">
             <a:avLst/>
@@ -15731,7 +15575,7 @@
         <p:spPr>
           <a:xfrm>
             <a:off x="4827960" y="2679120"/>
-            <a:ext cx="328320" cy="328320"/>
+            <a:ext cx="327960" cy="327960"/>
           </a:xfrm>
           <a:prstGeom prst="ellipse">
             <a:avLst/>
@@ -15762,7 +15606,7 @@
         <p:spPr>
           <a:xfrm>
             <a:off x="4827960" y="2679120"/>
-            <a:ext cx="328320" cy="328320"/>
+            <a:ext cx="327960" cy="327960"/>
           </a:xfrm>
           <a:prstGeom prst="rect">
             <a:avLst/>
@@ -15817,7 +15661,7 @@
         <p:spPr>
           <a:xfrm>
             <a:off x="5230440" y="2633400"/>
-            <a:ext cx="3382560" cy="410760"/>
+            <a:ext cx="3382200" cy="410400"/>
           </a:xfrm>
           <a:prstGeom prst="rect">
             <a:avLst/>
@@ -15872,7 +15716,7 @@
         <p:spPr>
           <a:xfrm>
             <a:off x="4827960" y="3017520"/>
-            <a:ext cx="328320" cy="127440"/>
+            <a:ext cx="327960" cy="127080"/>
           </a:xfrm>
           <a:prstGeom prst="rect">
             <a:avLst/>
@@ -15927,7 +15771,7 @@
         <p:spPr>
           <a:xfrm>
             <a:off x="4800600" y="3136320"/>
-            <a:ext cx="3885480" cy="410760"/>
+            <a:ext cx="3885120" cy="410400"/>
           </a:xfrm>
           <a:prstGeom prst="rect">
             <a:avLst/>
@@ -15958,7 +15802,7 @@
         <p:spPr>
           <a:xfrm>
             <a:off x="4827960" y="3182040"/>
-            <a:ext cx="328320" cy="328320"/>
+            <a:ext cx="327960" cy="327960"/>
           </a:xfrm>
           <a:prstGeom prst="ellipse">
             <a:avLst/>
@@ -15989,7 +15833,7 @@
         <p:spPr>
           <a:xfrm>
             <a:off x="4827960" y="3182040"/>
-            <a:ext cx="328320" cy="328320"/>
+            <a:ext cx="327960" cy="327960"/>
           </a:xfrm>
           <a:prstGeom prst="rect">
             <a:avLst/>
@@ -16044,7 +15888,7 @@
         <p:spPr>
           <a:xfrm>
             <a:off x="5230440" y="3136320"/>
-            <a:ext cx="3382560" cy="410760"/>
+            <a:ext cx="3382200" cy="410400"/>
           </a:xfrm>
           <a:prstGeom prst="rect">
             <a:avLst/>
@@ -16099,7 +15943,7 @@
         <p:spPr>
           <a:xfrm>
             <a:off x="4827960" y="3520440"/>
-            <a:ext cx="328320" cy="127440"/>
+            <a:ext cx="327960" cy="127080"/>
           </a:xfrm>
           <a:prstGeom prst="rect">
             <a:avLst/>
@@ -16154,7 +15998,7 @@
         <p:spPr>
           <a:xfrm>
             <a:off x="4800600" y="3639240"/>
-            <a:ext cx="3885480" cy="410760"/>
+            <a:ext cx="3885120" cy="410400"/>
           </a:xfrm>
           <a:prstGeom prst="rect">
             <a:avLst/>
@@ -16185,7 +16029,7 @@
         <p:spPr>
           <a:xfrm>
             <a:off x="4827960" y="3684960"/>
-            <a:ext cx="328320" cy="328320"/>
+            <a:ext cx="327960" cy="327960"/>
           </a:xfrm>
           <a:prstGeom prst="ellipse">
             <a:avLst/>
@@ -16216,7 +16060,7 @@
         <p:spPr>
           <a:xfrm>
             <a:off x="4827960" y="3684960"/>
-            <a:ext cx="328320" cy="328320"/>
+            <a:ext cx="327960" cy="327960"/>
           </a:xfrm>
           <a:prstGeom prst="rect">
             <a:avLst/>
@@ -16271,7 +16115,7 @@
         <p:spPr>
           <a:xfrm>
             <a:off x="5230440" y="3639240"/>
-            <a:ext cx="3382560" cy="410760"/>
+            <a:ext cx="3382200" cy="410400"/>
           </a:xfrm>
           <a:prstGeom prst="rect">
             <a:avLst/>
@@ -16326,7 +16170,7 @@
         <p:spPr>
           <a:xfrm>
             <a:off x="4827960" y="4023360"/>
-            <a:ext cx="328320" cy="127440"/>
+            <a:ext cx="327960" cy="127080"/>
           </a:xfrm>
           <a:prstGeom prst="rect">
             <a:avLst/>
@@ -16381,7 +16225,7 @@
         <p:spPr>
           <a:xfrm>
             <a:off x="4800600" y="4142160"/>
-            <a:ext cx="3885480" cy="410760"/>
+            <a:ext cx="3885120" cy="410400"/>
           </a:xfrm>
           <a:prstGeom prst="rect">
             <a:avLst/>
@@ -16412,7 +16256,7 @@
         <p:spPr>
           <a:xfrm>
             <a:off x="4827960" y="4187880"/>
-            <a:ext cx="328320" cy="328320"/>
+            <a:ext cx="327960" cy="327960"/>
           </a:xfrm>
           <a:prstGeom prst="ellipse">
             <a:avLst/>
@@ -16443,7 +16287,7 @@
         <p:spPr>
           <a:xfrm>
             <a:off x="4827960" y="4187880"/>
-            <a:ext cx="328320" cy="328320"/>
+            <a:ext cx="327960" cy="327960"/>
           </a:xfrm>
           <a:prstGeom prst="rect">
             <a:avLst/>
@@ -16498,7 +16342,7 @@
         <p:spPr>
           <a:xfrm>
             <a:off x="5230440" y="4142160"/>
-            <a:ext cx="3382560" cy="410760"/>
+            <a:ext cx="3382200" cy="410400"/>
           </a:xfrm>
           <a:prstGeom prst="rect">
             <a:avLst/>
@@ -16553,7 +16397,7 @@
         <p:spPr>
           <a:xfrm>
             <a:off x="320040" y="4773240"/>
-            <a:ext cx="8503200" cy="273600"/>
+            <a:ext cx="8502840" cy="273240"/>
           </a:xfrm>
           <a:prstGeom prst="rect">
             <a:avLst/>
@@ -16591,7 +16435,7 @@
         <p:spPr>
           <a:xfrm>
             <a:off x="320040" y="4773240"/>
-            <a:ext cx="90720" cy="273600"/>
+            <a:ext cx="90360" cy="273240"/>
           </a:xfrm>
           <a:prstGeom prst="rect">
             <a:avLst/>
@@ -16622,7 +16466,7 @@
         <p:spPr>
           <a:xfrm>
             <a:off x="457200" y="4773240"/>
-            <a:ext cx="8228880" cy="273600"/>
+            <a:ext cx="8228520" cy="273240"/>
           </a:xfrm>
           <a:prstGeom prst="rect">
             <a:avLst/>
@@ -16714,7 +16558,7 @@
         <p:spPr>
           <a:xfrm>
             <a:off x="0" y="0"/>
-            <a:ext cx="9143280" cy="1005120"/>
+            <a:ext cx="9142920" cy="1004760"/>
           </a:xfrm>
           <a:prstGeom prst="rect">
             <a:avLst/>
@@ -16745,7 +16589,7 @@
         <p:spPr>
           <a:xfrm>
             <a:off x="0" y="0"/>
-            <a:ext cx="109080" cy="1005120"/>
+            <a:ext cx="108720" cy="1004760"/>
           </a:xfrm>
           <a:prstGeom prst="rect">
             <a:avLst/>
@@ -16776,7 +16620,7 @@
         <p:spPr>
           <a:xfrm>
             <a:off x="255960" y="137160"/>
-            <a:ext cx="8503200" cy="547920"/>
+            <a:ext cx="8502840" cy="547560"/>
           </a:xfrm>
           <a:prstGeom prst="rect">
             <a:avLst/>
@@ -16831,7 +16675,7 @@
         <p:spPr>
           <a:xfrm>
             <a:off x="255960" y="658440"/>
-            <a:ext cx="8503200" cy="273600"/>
+            <a:ext cx="8502840" cy="273240"/>
           </a:xfrm>
           <a:prstGeom prst="rect">
             <a:avLst/>
@@ -16886,7 +16730,7 @@
         <p:spPr>
           <a:xfrm>
             <a:off x="320040" y="1170360"/>
-            <a:ext cx="4205520" cy="1078200"/>
+            <a:ext cx="4205160" cy="1077840"/>
           </a:xfrm>
           <a:prstGeom prst="rect">
             <a:avLst/>
@@ -16924,7 +16768,7 @@
         <p:spPr>
           <a:xfrm>
             <a:off x="320040" y="1170360"/>
-            <a:ext cx="4205520" cy="72360"/>
+            <a:ext cx="4205160" cy="72000"/>
           </a:xfrm>
           <a:prstGeom prst="rect">
             <a:avLst/>
@@ -16955,7 +16799,7 @@
         <p:spPr>
           <a:xfrm>
             <a:off x="457200" y="1280160"/>
-            <a:ext cx="3931200" cy="255240"/>
+            <a:ext cx="3930840" cy="254880"/>
           </a:xfrm>
           <a:prstGeom prst="rect">
             <a:avLst/>
@@ -17010,7 +16854,7 @@
         <p:spPr>
           <a:xfrm>
             <a:off x="457200" y="1572840"/>
-            <a:ext cx="3931200" cy="255240"/>
+            <a:ext cx="3930840" cy="254880"/>
           </a:xfrm>
           <a:prstGeom prst="rect">
             <a:avLst/>
@@ -17065,7 +16909,7 @@
         <p:spPr>
           <a:xfrm>
             <a:off x="457200" y="1856160"/>
-            <a:ext cx="3931200" cy="255240"/>
+            <a:ext cx="3930840" cy="254880"/>
           </a:xfrm>
           <a:prstGeom prst="rect">
             <a:avLst/>
@@ -17130,7 +16974,7 @@
         <p:spPr>
           <a:xfrm>
             <a:off x="4800600" y="1170360"/>
-            <a:ext cx="4205520" cy="1078200"/>
+            <a:ext cx="4205160" cy="1077840"/>
           </a:xfrm>
           <a:prstGeom prst="rect">
             <a:avLst/>
@@ -17168,7 +17012,7 @@
         <p:spPr>
           <a:xfrm>
             <a:off x="4800600" y="1170360"/>
-            <a:ext cx="4205520" cy="72360"/>
+            <a:ext cx="4205160" cy="72000"/>
           </a:xfrm>
           <a:prstGeom prst="rect">
             <a:avLst/>
@@ -17199,7 +17043,7 @@
         <p:spPr>
           <a:xfrm>
             <a:off x="4937760" y="1280160"/>
-            <a:ext cx="3931200" cy="255240"/>
+            <a:ext cx="3930840" cy="254880"/>
           </a:xfrm>
           <a:prstGeom prst="rect">
             <a:avLst/>
@@ -17254,7 +17098,7 @@
         <p:spPr>
           <a:xfrm>
             <a:off x="4937760" y="1572840"/>
-            <a:ext cx="3931200" cy="255240"/>
+            <a:ext cx="3930840" cy="254880"/>
           </a:xfrm>
           <a:prstGeom prst="rect">
             <a:avLst/>
@@ -17309,7 +17153,7 @@
         <p:spPr>
           <a:xfrm>
             <a:off x="4937760" y="1856160"/>
-            <a:ext cx="3931200" cy="255240"/>
+            <a:ext cx="3930840" cy="254880"/>
           </a:xfrm>
           <a:prstGeom prst="rect">
             <a:avLst/>
@@ -17374,7 +17218,7 @@
         <p:spPr>
           <a:xfrm>
             <a:off x="320040" y="2359080"/>
-            <a:ext cx="4205520" cy="1078200"/>
+            <a:ext cx="4205160" cy="1077840"/>
           </a:xfrm>
           <a:prstGeom prst="rect">
             <a:avLst/>
@@ -17412,7 +17256,7 @@
         <p:spPr>
           <a:xfrm>
             <a:off x="320040" y="2359080"/>
-            <a:ext cx="4205520" cy="72360"/>
+            <a:ext cx="4205160" cy="72000"/>
           </a:xfrm>
           <a:prstGeom prst="rect">
             <a:avLst/>
@@ -17443,7 +17287,7 @@
         <p:spPr>
           <a:xfrm>
             <a:off x="457200" y="2468880"/>
-            <a:ext cx="3931200" cy="255240"/>
+            <a:ext cx="3930840" cy="254880"/>
           </a:xfrm>
           <a:prstGeom prst="rect">
             <a:avLst/>
@@ -17498,7 +17342,7 @@
         <p:spPr>
           <a:xfrm>
             <a:off x="457200" y="2761560"/>
-            <a:ext cx="3931200" cy="255240"/>
+            <a:ext cx="3930840" cy="254880"/>
           </a:xfrm>
           <a:prstGeom prst="rect">
             <a:avLst/>
@@ -17553,7 +17397,7 @@
         <p:spPr>
           <a:xfrm>
             <a:off x="457200" y="3044880"/>
-            <a:ext cx="3931200" cy="255240"/>
+            <a:ext cx="3930840" cy="254880"/>
           </a:xfrm>
           <a:prstGeom prst="rect">
             <a:avLst/>
@@ -17618,7 +17462,7 @@
         <p:spPr>
           <a:xfrm>
             <a:off x="4800600" y="2359080"/>
-            <a:ext cx="4205520" cy="1078200"/>
+            <a:ext cx="4205160" cy="1077840"/>
           </a:xfrm>
           <a:prstGeom prst="rect">
             <a:avLst/>
@@ -17656,7 +17500,7 @@
         <p:spPr>
           <a:xfrm>
             <a:off x="4800600" y="2359080"/>
-            <a:ext cx="4205520" cy="72360"/>
+            <a:ext cx="4205160" cy="72000"/>
           </a:xfrm>
           <a:prstGeom prst="rect">
             <a:avLst/>
@@ -17687,7 +17531,7 @@
         <p:spPr>
           <a:xfrm>
             <a:off x="4937760" y="2468880"/>
-            <a:ext cx="3931200" cy="255240"/>
+            <a:ext cx="3930840" cy="254880"/>
           </a:xfrm>
           <a:prstGeom prst="rect">
             <a:avLst/>
@@ -17742,7 +17586,7 @@
         <p:spPr>
           <a:xfrm>
             <a:off x="4937760" y="2761560"/>
-            <a:ext cx="3931200" cy="255240"/>
+            <a:ext cx="3930840" cy="254880"/>
           </a:xfrm>
           <a:prstGeom prst="rect">
             <a:avLst/>
@@ -17797,7 +17641,7 @@
         <p:spPr>
           <a:xfrm>
             <a:off x="4937760" y="3044880"/>
-            <a:ext cx="3931200" cy="255240"/>
+            <a:ext cx="3930840" cy="254880"/>
           </a:xfrm>
           <a:prstGeom prst="rect">
             <a:avLst/>
@@ -17862,7 +17706,7 @@
         <p:spPr>
           <a:xfrm>
             <a:off x="320040" y="3547800"/>
-            <a:ext cx="4205520" cy="1078200"/>
+            <a:ext cx="4205160" cy="1077840"/>
           </a:xfrm>
           <a:prstGeom prst="rect">
             <a:avLst/>
@@ -17900,7 +17744,7 @@
         <p:spPr>
           <a:xfrm>
             <a:off x="320040" y="3547800"/>
-            <a:ext cx="4205520" cy="72360"/>
+            <a:ext cx="4205160" cy="72000"/>
           </a:xfrm>
           <a:prstGeom prst="rect">
             <a:avLst/>
@@ -17931,7 +17775,7 @@
         <p:spPr>
           <a:xfrm>
             <a:off x="457200" y="3657600"/>
-            <a:ext cx="3931200" cy="255240"/>
+            <a:ext cx="3930840" cy="254880"/>
           </a:xfrm>
           <a:prstGeom prst="rect">
             <a:avLst/>
@@ -17986,7 +17830,7 @@
         <p:spPr>
           <a:xfrm>
             <a:off x="457200" y="3950280"/>
-            <a:ext cx="3931200" cy="255240"/>
+            <a:ext cx="3930840" cy="254880"/>
           </a:xfrm>
           <a:prstGeom prst="rect">
             <a:avLst/>
@@ -18041,7 +17885,7 @@
         <p:spPr>
           <a:xfrm>
             <a:off x="457200" y="4233600"/>
-            <a:ext cx="3931200" cy="255240"/>
+            <a:ext cx="3930840" cy="254880"/>
           </a:xfrm>
           <a:prstGeom prst="rect">
             <a:avLst/>
@@ -18106,7 +17950,7 @@
         <p:spPr>
           <a:xfrm>
             <a:off x="4800600" y="3547800"/>
-            <a:ext cx="4205520" cy="1078200"/>
+            <a:ext cx="4205160" cy="1077840"/>
           </a:xfrm>
           <a:prstGeom prst="rect">
             <a:avLst/>
@@ -18144,7 +17988,7 @@
         <p:spPr>
           <a:xfrm>
             <a:off x="4800600" y="3547800"/>
-            <a:ext cx="4205520" cy="72360"/>
+            <a:ext cx="4205160" cy="72000"/>
           </a:xfrm>
           <a:prstGeom prst="rect">
             <a:avLst/>
@@ -18175,7 +18019,7 @@
         <p:spPr>
           <a:xfrm>
             <a:off x="4937760" y="3657600"/>
-            <a:ext cx="3931200" cy="255240"/>
+            <a:ext cx="3930840" cy="254880"/>
           </a:xfrm>
           <a:prstGeom prst="rect">
             <a:avLst/>
@@ -18230,7 +18074,7 @@
         <p:spPr>
           <a:xfrm>
             <a:off x="4937760" y="3950280"/>
-            <a:ext cx="3931200" cy="255240"/>
+            <a:ext cx="3930840" cy="254880"/>
           </a:xfrm>
           <a:prstGeom prst="rect">
             <a:avLst/>
@@ -18285,7 +18129,7 @@
         <p:spPr>
           <a:xfrm>
             <a:off x="4937760" y="4233600"/>
-            <a:ext cx="3931200" cy="255240"/>
+            <a:ext cx="3930840" cy="254880"/>
           </a:xfrm>
           <a:prstGeom prst="rect">
             <a:avLst/>
@@ -18350,7 +18194,7 @@
         <p:spPr>
           <a:xfrm>
             <a:off x="320040" y="4736520"/>
-            <a:ext cx="8503200" cy="346680"/>
+            <a:ext cx="8502840" cy="346320"/>
           </a:xfrm>
           <a:prstGeom prst="rect">
             <a:avLst/>
@@ -18388,7 +18232,7 @@
         <p:spPr>
           <a:xfrm>
             <a:off x="320040" y="4736520"/>
-            <a:ext cx="90720" cy="346680"/>
+            <a:ext cx="90360" cy="346320"/>
           </a:xfrm>
           <a:prstGeom prst="rect">
             <a:avLst/>
@@ -18419,7 +18263,7 @@
         <p:spPr>
           <a:xfrm>
             <a:off x="457200" y="4736520"/>
-            <a:ext cx="8228880" cy="346680"/>
+            <a:ext cx="8228520" cy="346320"/>
           </a:xfrm>
           <a:prstGeom prst="rect">
             <a:avLst/>
@@ -18511,7 +18355,7 @@
         <p:spPr>
           <a:xfrm>
             <a:off x="0" y="0"/>
-            <a:ext cx="9143280" cy="1005120"/>
+            <a:ext cx="9142920" cy="1004760"/>
           </a:xfrm>
           <a:prstGeom prst="rect">
             <a:avLst/>
@@ -18542,7 +18386,7 @@
         <p:spPr>
           <a:xfrm>
             <a:off x="0" y="0"/>
-            <a:ext cx="109080" cy="1005120"/>
+            <a:ext cx="108720" cy="1004760"/>
           </a:xfrm>
           <a:prstGeom prst="rect">
             <a:avLst/>
@@ -18573,7 +18417,7 @@
         <p:spPr>
           <a:xfrm>
             <a:off x="255960" y="137160"/>
-            <a:ext cx="8503200" cy="547920"/>
+            <a:ext cx="8502840" cy="547560"/>
           </a:xfrm>
           <a:prstGeom prst="rect">
             <a:avLst/>
@@ -18628,7 +18472,7 @@
         <p:spPr>
           <a:xfrm>
             <a:off x="255960" y="658440"/>
-            <a:ext cx="8503200" cy="273600"/>
+            <a:ext cx="8502840" cy="273240"/>
           </a:xfrm>
           <a:prstGeom prst="rect">
             <a:avLst/>
@@ -18683,7 +18527,7 @@
         <p:spPr>
           <a:xfrm>
             <a:off x="320040" y="1143000"/>
-            <a:ext cx="4159800" cy="3931200"/>
+            <a:ext cx="4159440" cy="3930840"/>
           </a:xfrm>
           <a:prstGeom prst="rect">
             <a:avLst/>
@@ -18721,7 +18565,7 @@
         <p:spPr>
           <a:xfrm>
             <a:off x="365760" y="1188720"/>
-            <a:ext cx="4133880" cy="4750920"/>
+            <a:ext cx="4133520" cy="4750560"/>
           </a:xfrm>
           <a:prstGeom prst="rect">
             <a:avLst/>
@@ -18752,7 +18596,7 @@
         <p:spPr>
           <a:xfrm>
             <a:off x="365760" y="1188720"/>
-            <a:ext cx="639360" cy="200520"/>
+            <a:ext cx="639000" cy="200160"/>
           </a:xfrm>
           <a:prstGeom prst="rect">
             <a:avLst/>
@@ -18783,7 +18627,7 @@
         <p:spPr>
           <a:xfrm>
             <a:off x="365760" y="1188720"/>
-            <a:ext cx="639360" cy="200520"/>
+            <a:ext cx="639000" cy="200160"/>
           </a:xfrm>
           <a:prstGeom prst="rect">
             <a:avLst/>
@@ -18838,7 +18682,7 @@
         <p:spPr>
           <a:xfrm>
             <a:off x="457200" y="1426320"/>
-            <a:ext cx="3885480" cy="3565440"/>
+            <a:ext cx="3885120" cy="3565080"/>
           </a:xfrm>
           <a:prstGeom prst="rect">
             <a:avLst/>
@@ -19567,7 +19411,7 @@
         <p:spPr>
           <a:xfrm>
             <a:off x="4663440" y="1143000"/>
-            <a:ext cx="4159800" cy="3931200"/>
+            <a:ext cx="4159440" cy="3930840"/>
           </a:xfrm>
           <a:prstGeom prst="rect">
             <a:avLst/>
@@ -19605,7 +19449,7 @@
         <p:spPr>
           <a:xfrm>
             <a:off x="4709160" y="1188720"/>
-            <a:ext cx="4110480" cy="4750920"/>
+            <a:ext cx="4110120" cy="4750560"/>
           </a:xfrm>
           <a:prstGeom prst="rect">
             <a:avLst/>
@@ -19636,7 +19480,7 @@
         <p:spPr>
           <a:xfrm>
             <a:off x="4709160" y="1188720"/>
-            <a:ext cx="639360" cy="200520"/>
+            <a:ext cx="639000" cy="200160"/>
           </a:xfrm>
           <a:prstGeom prst="rect">
             <a:avLst/>
@@ -19667,7 +19511,7 @@
         <p:spPr>
           <a:xfrm>
             <a:off x="4709160" y="1188720"/>
-            <a:ext cx="639360" cy="200520"/>
+            <a:ext cx="639000" cy="200160"/>
           </a:xfrm>
           <a:prstGeom prst="rect">
             <a:avLst/>
@@ -19722,7 +19566,7 @@
         <p:spPr>
           <a:xfrm>
             <a:off x="4800600" y="1426320"/>
-            <a:ext cx="3885480" cy="3565440"/>
+            <a:ext cx="3885120" cy="3565080"/>
           </a:xfrm>
           <a:prstGeom prst="rect">
             <a:avLst/>
